--- a/unix/img/figures.pptx
+++ b/unix/img/figures.pptx
@@ -11,6 +11,7 @@
     <p:sldId id="259" r:id="rId5"/>
     <p:sldId id="260" r:id="rId6"/>
     <p:sldId id="261" r:id="rId7"/>
+    <p:sldId id="262" r:id="rId8"/>
   </p:sldIdLst>
   <p:sldSz cx="12192000" cy="6858000"/>
   <p:notesSz cx="6858000" cy="9144000"/>
@@ -4407,6 +4408,743 @@
 </p:sld>
 </file>
 
+<file path=ppt/slides/slide7.xml><?xml version="1.0" encoding="utf-8"?>
+<p:sld xmlns:a="http://schemas.openxmlformats.org/drawingml/2006/main" xmlns:r="http://schemas.openxmlformats.org/officeDocument/2006/relationships" xmlns:p="http://schemas.openxmlformats.org/presentationml/2006/main">
+  <p:cSld>
+    <p:spTree>
+      <p:nvGrpSpPr>
+        <p:cNvPr id="1" name=""/>
+        <p:cNvGrpSpPr/>
+        <p:nvPr/>
+      </p:nvGrpSpPr>
+      <p:grpSpPr>
+        <a:xfrm>
+          <a:off x="0" y="0"/>
+          <a:ext cx="0" cy="0"/>
+          <a:chOff x="0" y="0"/>
+          <a:chExt cx="0" cy="0"/>
+        </a:xfrm>
+      </p:grpSpPr>
+      <p:grpSp>
+        <p:nvGrpSpPr>
+          <p:cNvPr id="10" name="Group 9">
+            <a:extLst>
+              <a:ext uri="{FF2B5EF4-FFF2-40B4-BE49-F238E27FC236}">
+                <a16:creationId xmlns:a16="http://schemas.microsoft.com/office/drawing/2014/main" id="{6B811B47-D6AE-6E4C-8EA2-AD409181095F}"/>
+              </a:ext>
+            </a:extLst>
+          </p:cNvPr>
+          <p:cNvGrpSpPr/>
+          <p:nvPr/>
+        </p:nvGrpSpPr>
+        <p:grpSpPr>
+          <a:xfrm>
+            <a:off x="4765964" y="2514600"/>
+            <a:ext cx="2660071" cy="914400"/>
+            <a:chOff x="2937165" y="3629891"/>
+            <a:chExt cx="2660071" cy="914400"/>
+          </a:xfrm>
+        </p:grpSpPr>
+        <p:sp>
+          <p:nvSpPr>
+            <p:cNvPr id="7" name="Rounded Rectangle 6">
+              <a:extLst>
+                <a:ext uri="{FF2B5EF4-FFF2-40B4-BE49-F238E27FC236}">
+                  <a16:creationId xmlns:a16="http://schemas.microsoft.com/office/drawing/2014/main" id="{7CCFF582-4C5B-5F40-9245-AF0B8BDA6EC4}"/>
+                </a:ext>
+              </a:extLst>
+            </p:cNvPr>
+            <p:cNvSpPr/>
+            <p:nvPr/>
+          </p:nvSpPr>
+          <p:spPr>
+            <a:xfrm>
+              <a:off x="2937165" y="3629891"/>
+              <a:ext cx="2660071" cy="914400"/>
+            </a:xfrm>
+            <a:prstGeom prst="roundRect">
+              <a:avLst/>
+            </a:prstGeom>
+          </p:spPr>
+          <p:style>
+            <a:lnRef idx="2">
+              <a:schemeClr val="accent1">
+                <a:shade val="50000"/>
+              </a:schemeClr>
+            </a:lnRef>
+            <a:fillRef idx="1">
+              <a:schemeClr val="accent1"/>
+            </a:fillRef>
+            <a:effectRef idx="0">
+              <a:schemeClr val="accent1"/>
+            </a:effectRef>
+            <a:fontRef idx="minor">
+              <a:schemeClr val="lt1"/>
+            </a:fontRef>
+          </p:style>
+          <p:txBody>
+            <a:bodyPr rtlCol="0" anchor="ctr"/>
+            <a:lstStyle/>
+            <a:p>
+              <a:pPr algn="ctr"/>
+              <a:endParaRPr lang="en-US"/>
+            </a:p>
+          </p:txBody>
+        </p:sp>
+        <p:pic>
+          <p:nvPicPr>
+            <p:cNvPr id="9" name="Graphic 8">
+              <a:extLst>
+                <a:ext uri="{FF2B5EF4-FFF2-40B4-BE49-F238E27FC236}">
+                  <a16:creationId xmlns:a16="http://schemas.microsoft.com/office/drawing/2014/main" id="{B197DCE1-0AEF-FE4C-BCD5-3A7FAFBCF9FC}"/>
+                </a:ext>
+              </a:extLst>
+            </p:cNvPr>
+            <p:cNvPicPr>
+              <a:picLocks noChangeAspect="1"/>
+            </p:cNvPicPr>
+            <p:nvPr/>
+          </p:nvPicPr>
+          <p:blipFill>
+            <a:blip r:embed="rId2">
+              <a:extLst>
+                <a:ext uri="{96DAC541-7B7A-43D3-8B79-37D633B846F1}">
+                  <asvg:svgBlip xmlns:asvg="http://schemas.microsoft.com/office/drawing/2016/SVG/main" r:embed="rId3"/>
+                </a:ext>
+              </a:extLst>
+            </a:blip>
+            <a:stretch>
+              <a:fillRect/>
+            </a:stretch>
+          </p:blipFill>
+          <p:spPr>
+            <a:xfrm>
+              <a:off x="3155372" y="3858491"/>
+              <a:ext cx="457200" cy="457200"/>
+            </a:xfrm>
+            <a:prstGeom prst="rect">
+              <a:avLst/>
+            </a:prstGeom>
+          </p:spPr>
+        </p:pic>
+        <p:sp>
+          <p:nvSpPr>
+            <p:cNvPr id="5" name="TextBox 4">
+              <a:extLst>
+                <a:ext uri="{FF2B5EF4-FFF2-40B4-BE49-F238E27FC236}">
+                  <a16:creationId xmlns:a16="http://schemas.microsoft.com/office/drawing/2014/main" id="{5E5612EB-5845-914E-A45F-4342CFC939E7}"/>
+                </a:ext>
+              </a:extLst>
+            </p:cNvPr>
+            <p:cNvSpPr txBox="1"/>
+            <p:nvPr/>
+          </p:nvSpPr>
+          <p:spPr>
+            <a:xfrm>
+              <a:off x="3612572" y="3902425"/>
+              <a:ext cx="1877741" cy="369332"/>
+            </a:xfrm>
+            <a:prstGeom prst="rect">
+              <a:avLst/>
+            </a:prstGeom>
+            <a:noFill/>
+          </p:spPr>
+          <p:txBody>
+            <a:bodyPr wrap="square" rtlCol="0">
+              <a:spAutoFit/>
+            </a:bodyPr>
+            <a:lstStyle/>
+            <a:p>
+              <a:pPr algn="ctr"/>
+              <a:r>
+                <a:rPr lang="en-US" dirty="0">
+                  <a:solidFill>
+                    <a:schemeClr val="bg1"/>
+                  </a:solidFill>
+                </a:rPr>
+                <a:t>remote computer</a:t>
+              </a:r>
+            </a:p>
+          </p:txBody>
+        </p:sp>
+      </p:grpSp>
+      <p:pic>
+        <p:nvPicPr>
+          <p:cNvPr id="16" name="Graphic 15">
+            <a:extLst>
+              <a:ext uri="{FF2B5EF4-FFF2-40B4-BE49-F238E27FC236}">
+                <a16:creationId xmlns:a16="http://schemas.microsoft.com/office/drawing/2014/main" id="{1CDF5DF5-41F3-914B-9779-88F0C2D10104}"/>
+              </a:ext>
+            </a:extLst>
+          </p:cNvPr>
+          <p:cNvPicPr>
+            <a:picLocks noChangeAspect="1"/>
+          </p:cNvPicPr>
+          <p:nvPr/>
+        </p:nvPicPr>
+        <p:blipFill>
+          <a:blip r:embed="rId4">
+            <a:extLst>
+              <a:ext uri="{96DAC541-7B7A-43D3-8B79-37D633B846F1}">
+                <asvg:svgBlip xmlns:asvg="http://schemas.microsoft.com/office/drawing/2016/SVG/main" r:embed="rId5"/>
+              </a:ext>
+            </a:extLst>
+          </a:blip>
+          <a:stretch>
+            <a:fillRect/>
+          </a:stretch>
+        </p:blipFill>
+        <p:spPr>
+          <a:xfrm>
+            <a:off x="9330381" y="5725016"/>
+            <a:ext cx="228600" cy="228600"/>
+          </a:xfrm>
+          <a:prstGeom prst="rect">
+            <a:avLst/>
+          </a:prstGeom>
+        </p:spPr>
+      </p:pic>
+      <p:pic>
+        <p:nvPicPr>
+          <p:cNvPr id="21" name="Graphic 20">
+            <a:extLst>
+              <a:ext uri="{FF2B5EF4-FFF2-40B4-BE49-F238E27FC236}">
+                <a16:creationId xmlns:a16="http://schemas.microsoft.com/office/drawing/2014/main" id="{E1AC4E0B-ADAE-9745-8160-B825DEEACC37}"/>
+              </a:ext>
+            </a:extLst>
+          </p:cNvPr>
+          <p:cNvPicPr>
+            <a:picLocks noChangeAspect="1"/>
+          </p:cNvPicPr>
+          <p:nvPr/>
+        </p:nvPicPr>
+        <p:blipFill>
+          <a:blip r:embed="rId6">
+            <a:extLst>
+              <a:ext uri="{96DAC541-7B7A-43D3-8B79-37D633B846F1}">
+                <asvg:svgBlip xmlns:asvg="http://schemas.microsoft.com/office/drawing/2016/SVG/main" r:embed="rId7"/>
+              </a:ext>
+            </a:extLst>
+          </a:blip>
+          <a:stretch>
+            <a:fillRect/>
+          </a:stretch>
+        </p:blipFill>
+        <p:spPr>
+          <a:xfrm>
+            <a:off x="2975262" y="4208318"/>
+            <a:ext cx="457200" cy="457200"/>
+          </a:xfrm>
+          <a:prstGeom prst="rect">
+            <a:avLst/>
+          </a:prstGeom>
+        </p:spPr>
+      </p:pic>
+      <p:grpSp>
+        <p:nvGrpSpPr>
+          <p:cNvPr id="52" name="Group 51">
+            <a:extLst>
+              <a:ext uri="{FF2B5EF4-FFF2-40B4-BE49-F238E27FC236}">
+                <a16:creationId xmlns:a16="http://schemas.microsoft.com/office/drawing/2014/main" id="{7D8D7518-8B59-DC45-B2E3-BDAC8C68475D}"/>
+              </a:ext>
+            </a:extLst>
+          </p:cNvPr>
+          <p:cNvGrpSpPr/>
+          <p:nvPr/>
+        </p:nvGrpSpPr>
+        <p:grpSpPr>
+          <a:xfrm>
+            <a:off x="4096616" y="3429000"/>
+            <a:ext cx="3998768" cy="1573426"/>
+            <a:chOff x="3981977" y="3424133"/>
+            <a:chExt cx="3998768" cy="1573426"/>
+          </a:xfrm>
+        </p:grpSpPr>
+        <p:grpSp>
+          <p:nvGrpSpPr>
+            <p:cNvPr id="22" name="Group 21">
+              <a:extLst>
+                <a:ext uri="{FF2B5EF4-FFF2-40B4-BE49-F238E27FC236}">
+                  <a16:creationId xmlns:a16="http://schemas.microsoft.com/office/drawing/2014/main" id="{C655588E-DD27-CF4A-8F37-9A1474818F5D}"/>
+                </a:ext>
+              </a:extLst>
+            </p:cNvPr>
+            <p:cNvGrpSpPr/>
+            <p:nvPr/>
+          </p:nvGrpSpPr>
+          <p:grpSpPr>
+            <a:xfrm>
+              <a:off x="5181600" y="4083158"/>
+              <a:ext cx="914400" cy="914400"/>
+              <a:chOff x="1437409" y="3428999"/>
+              <a:chExt cx="914400" cy="914400"/>
+            </a:xfrm>
+          </p:grpSpPr>
+          <p:sp>
+            <p:nvSpPr>
+              <p:cNvPr id="12" name="Rounded Rectangle 11">
+                <a:extLst>
+                  <a:ext uri="{FF2B5EF4-FFF2-40B4-BE49-F238E27FC236}">
+                    <a16:creationId xmlns:a16="http://schemas.microsoft.com/office/drawing/2014/main" id="{54F6B9E3-B5CB-8C44-B865-FDA6035F2607}"/>
+                  </a:ext>
+                </a:extLst>
+              </p:cNvPr>
+              <p:cNvSpPr/>
+              <p:nvPr/>
+            </p:nvSpPr>
+            <p:spPr>
+              <a:xfrm>
+                <a:off x="1437409" y="3428999"/>
+                <a:ext cx="914400" cy="914400"/>
+              </a:xfrm>
+              <a:prstGeom prst="roundRect">
+                <a:avLst/>
+              </a:prstGeom>
+            </p:spPr>
+            <p:style>
+              <a:lnRef idx="2">
+                <a:schemeClr val="accent1">
+                  <a:shade val="50000"/>
+                </a:schemeClr>
+              </a:lnRef>
+              <a:fillRef idx="1">
+                <a:schemeClr val="accent1"/>
+              </a:fillRef>
+              <a:effectRef idx="0">
+                <a:schemeClr val="accent1"/>
+              </a:effectRef>
+              <a:fontRef idx="minor">
+                <a:schemeClr val="lt1"/>
+              </a:fontRef>
+            </p:style>
+            <p:txBody>
+              <a:bodyPr rtlCol="0" anchor="ctr"/>
+              <a:lstStyle/>
+              <a:p>
+                <a:pPr algn="ctr"/>
+                <a:endParaRPr lang="en-US" dirty="0"/>
+              </a:p>
+            </p:txBody>
+          </p:sp>
+          <p:pic>
+            <p:nvPicPr>
+              <p:cNvPr id="20" name="Graphic 19">
+                <a:extLst>
+                  <a:ext uri="{FF2B5EF4-FFF2-40B4-BE49-F238E27FC236}">
+                    <a16:creationId xmlns:a16="http://schemas.microsoft.com/office/drawing/2014/main" id="{6379D18B-4D70-3F4F-9124-5E8CC4B43E61}"/>
+                  </a:ext>
+                </a:extLst>
+              </p:cNvPr>
+              <p:cNvPicPr>
+                <a:picLocks noChangeAspect="1"/>
+              </p:cNvPicPr>
+              <p:nvPr/>
+            </p:nvPicPr>
+            <p:blipFill>
+              <a:blip r:embed="rId6">
+                <a:extLst>
+                  <a:ext uri="{96DAC541-7B7A-43D3-8B79-37D633B846F1}">
+                    <asvg:svgBlip xmlns:asvg="http://schemas.microsoft.com/office/drawing/2016/SVG/main" r:embed="rId7"/>
+                  </a:ext>
+                </a:extLst>
+              </a:blip>
+              <a:stretch>
+                <a:fillRect/>
+              </a:stretch>
+            </p:blipFill>
+            <p:spPr>
+              <a:xfrm>
+                <a:off x="1666009" y="3657599"/>
+                <a:ext cx="457200" cy="457200"/>
+              </a:xfrm>
+              <a:prstGeom prst="rect">
+                <a:avLst/>
+              </a:prstGeom>
+            </p:spPr>
+          </p:pic>
+        </p:grpSp>
+        <p:grpSp>
+          <p:nvGrpSpPr>
+            <p:cNvPr id="35" name="Group 34">
+              <a:extLst>
+                <a:ext uri="{FF2B5EF4-FFF2-40B4-BE49-F238E27FC236}">
+                  <a16:creationId xmlns:a16="http://schemas.microsoft.com/office/drawing/2014/main" id="{F40FB5CF-6A6A-0A4E-BC51-46697C698096}"/>
+                </a:ext>
+              </a:extLst>
+            </p:cNvPr>
+            <p:cNvGrpSpPr/>
+            <p:nvPr/>
+          </p:nvGrpSpPr>
+          <p:grpSpPr>
+            <a:xfrm>
+              <a:off x="3981977" y="4083159"/>
+              <a:ext cx="914400" cy="914400"/>
+              <a:chOff x="1437409" y="3428999"/>
+              <a:chExt cx="914400" cy="914400"/>
+            </a:xfrm>
+          </p:grpSpPr>
+          <p:sp>
+            <p:nvSpPr>
+              <p:cNvPr id="36" name="Rounded Rectangle 35">
+                <a:extLst>
+                  <a:ext uri="{FF2B5EF4-FFF2-40B4-BE49-F238E27FC236}">
+                    <a16:creationId xmlns:a16="http://schemas.microsoft.com/office/drawing/2014/main" id="{DE0909BD-0F62-734C-99E7-95079646936A}"/>
+                  </a:ext>
+                </a:extLst>
+              </p:cNvPr>
+              <p:cNvSpPr/>
+              <p:nvPr/>
+            </p:nvSpPr>
+            <p:spPr>
+              <a:xfrm>
+                <a:off x="1437409" y="3428999"/>
+                <a:ext cx="914400" cy="914400"/>
+              </a:xfrm>
+              <a:prstGeom prst="roundRect">
+                <a:avLst/>
+              </a:prstGeom>
+            </p:spPr>
+            <p:style>
+              <a:lnRef idx="2">
+                <a:schemeClr val="accent1">
+                  <a:shade val="50000"/>
+                </a:schemeClr>
+              </a:lnRef>
+              <a:fillRef idx="1">
+                <a:schemeClr val="accent1"/>
+              </a:fillRef>
+              <a:effectRef idx="0">
+                <a:schemeClr val="accent1"/>
+              </a:effectRef>
+              <a:fontRef idx="minor">
+                <a:schemeClr val="lt1"/>
+              </a:fontRef>
+            </p:style>
+            <p:txBody>
+              <a:bodyPr rtlCol="0" anchor="ctr"/>
+              <a:lstStyle/>
+              <a:p>
+                <a:pPr algn="ctr"/>
+                <a:endParaRPr lang="en-US" dirty="0"/>
+              </a:p>
+            </p:txBody>
+          </p:sp>
+          <p:pic>
+            <p:nvPicPr>
+              <p:cNvPr id="37" name="Graphic 36">
+                <a:extLst>
+                  <a:ext uri="{FF2B5EF4-FFF2-40B4-BE49-F238E27FC236}">
+                    <a16:creationId xmlns:a16="http://schemas.microsoft.com/office/drawing/2014/main" id="{534BEBE2-A6FF-8849-B54C-4FCA7E622220}"/>
+                  </a:ext>
+                </a:extLst>
+              </p:cNvPr>
+              <p:cNvPicPr>
+                <a:picLocks noChangeAspect="1"/>
+              </p:cNvPicPr>
+              <p:nvPr/>
+            </p:nvPicPr>
+            <p:blipFill>
+              <a:blip r:embed="rId6">
+                <a:extLst>
+                  <a:ext uri="{96DAC541-7B7A-43D3-8B79-37D633B846F1}">
+                    <asvg:svgBlip xmlns:asvg="http://schemas.microsoft.com/office/drawing/2016/SVG/main" r:embed="rId7"/>
+                  </a:ext>
+                </a:extLst>
+              </a:blip>
+              <a:stretch>
+                <a:fillRect/>
+              </a:stretch>
+            </p:blipFill>
+            <p:spPr>
+              <a:xfrm>
+                <a:off x="1666009" y="3657599"/>
+                <a:ext cx="457200" cy="457200"/>
+              </a:xfrm>
+              <a:prstGeom prst="rect">
+                <a:avLst/>
+              </a:prstGeom>
+            </p:spPr>
+          </p:pic>
+        </p:grpSp>
+        <p:grpSp>
+          <p:nvGrpSpPr>
+            <p:cNvPr id="40" name="Group 39">
+              <a:extLst>
+                <a:ext uri="{FF2B5EF4-FFF2-40B4-BE49-F238E27FC236}">
+                  <a16:creationId xmlns:a16="http://schemas.microsoft.com/office/drawing/2014/main" id="{0837F95D-B82A-9948-8C45-FE107B387090}"/>
+                </a:ext>
+              </a:extLst>
+            </p:cNvPr>
+            <p:cNvGrpSpPr/>
+            <p:nvPr/>
+          </p:nvGrpSpPr>
+          <p:grpSpPr>
+            <a:xfrm>
+              <a:off x="6381222" y="4083159"/>
+              <a:ext cx="1599523" cy="914400"/>
+              <a:chOff x="1437408" y="3428999"/>
+              <a:chExt cx="1599523" cy="914400"/>
+            </a:xfrm>
+          </p:grpSpPr>
+          <p:sp>
+            <p:nvSpPr>
+              <p:cNvPr id="41" name="Rounded Rectangle 40">
+                <a:extLst>
+                  <a:ext uri="{FF2B5EF4-FFF2-40B4-BE49-F238E27FC236}">
+                    <a16:creationId xmlns:a16="http://schemas.microsoft.com/office/drawing/2014/main" id="{AACC0CB5-1DDE-4041-AA8F-6B7A1D19343B}"/>
+                  </a:ext>
+                </a:extLst>
+              </p:cNvPr>
+              <p:cNvSpPr/>
+              <p:nvPr/>
+            </p:nvSpPr>
+            <p:spPr>
+              <a:xfrm>
+                <a:off x="1437408" y="3428999"/>
+                <a:ext cx="1599523" cy="914400"/>
+              </a:xfrm>
+              <a:prstGeom prst="roundRect">
+                <a:avLst/>
+              </a:prstGeom>
+            </p:spPr>
+            <p:style>
+              <a:lnRef idx="2">
+                <a:schemeClr val="accent1">
+                  <a:shade val="50000"/>
+                </a:schemeClr>
+              </a:lnRef>
+              <a:fillRef idx="1">
+                <a:schemeClr val="accent1"/>
+              </a:fillRef>
+              <a:effectRef idx="0">
+                <a:schemeClr val="accent1"/>
+              </a:effectRef>
+              <a:fontRef idx="minor">
+                <a:schemeClr val="lt1"/>
+              </a:fontRef>
+            </p:style>
+            <p:txBody>
+              <a:bodyPr rtlCol="0" anchor="ctr"/>
+              <a:lstStyle/>
+              <a:p>
+                <a:pPr algn="ctr"/>
+                <a:endParaRPr lang="en-US" dirty="0"/>
+              </a:p>
+            </p:txBody>
+          </p:sp>
+          <p:pic>
+            <p:nvPicPr>
+              <p:cNvPr id="42" name="Graphic 41">
+                <a:extLst>
+                  <a:ext uri="{FF2B5EF4-FFF2-40B4-BE49-F238E27FC236}">
+                    <a16:creationId xmlns:a16="http://schemas.microsoft.com/office/drawing/2014/main" id="{42882ACB-7A48-2341-B55F-04434FFD5B7C}"/>
+                  </a:ext>
+                </a:extLst>
+              </p:cNvPr>
+              <p:cNvPicPr>
+                <a:picLocks noChangeAspect="1"/>
+              </p:cNvPicPr>
+              <p:nvPr/>
+            </p:nvPicPr>
+            <p:blipFill>
+              <a:blip r:embed="rId6">
+                <a:extLst>
+                  <a:ext uri="{96DAC541-7B7A-43D3-8B79-37D633B846F1}">
+                    <asvg:svgBlip xmlns:asvg="http://schemas.microsoft.com/office/drawing/2016/SVG/main" r:embed="rId7"/>
+                  </a:ext>
+                </a:extLst>
+              </a:blip>
+              <a:stretch>
+                <a:fillRect/>
+              </a:stretch>
+            </p:blipFill>
+            <p:spPr>
+              <a:xfrm>
+                <a:off x="1666009" y="3657599"/>
+                <a:ext cx="457200" cy="457200"/>
+              </a:xfrm>
+              <a:prstGeom prst="rect">
+                <a:avLst/>
+              </a:prstGeom>
+            </p:spPr>
+          </p:pic>
+        </p:grpSp>
+        <p:pic>
+          <p:nvPicPr>
+            <p:cNvPr id="43" name="Graphic 42">
+              <a:extLst>
+                <a:ext uri="{FF2B5EF4-FFF2-40B4-BE49-F238E27FC236}">
+                  <a16:creationId xmlns:a16="http://schemas.microsoft.com/office/drawing/2014/main" id="{6C366C2C-A913-E14E-B622-8C31476AE899}"/>
+                </a:ext>
+              </a:extLst>
+            </p:cNvPr>
+            <p:cNvPicPr>
+              <a:picLocks noChangeAspect="1"/>
+            </p:cNvPicPr>
+            <p:nvPr/>
+          </p:nvPicPr>
+          <p:blipFill>
+            <a:blip r:embed="rId6">
+              <a:extLst>
+                <a:ext uri="{96DAC541-7B7A-43D3-8B79-37D633B846F1}">
+                  <asvg:svgBlip xmlns:asvg="http://schemas.microsoft.com/office/drawing/2016/SVG/main" r:embed="rId7"/>
+                </a:ext>
+              </a:extLst>
+            </a:blip>
+            <a:stretch>
+              <a:fillRect/>
+            </a:stretch>
+          </p:blipFill>
+          <p:spPr>
+            <a:xfrm>
+              <a:off x="7295284" y="4311758"/>
+              <a:ext cx="457200" cy="457200"/>
+            </a:xfrm>
+            <a:prstGeom prst="rect">
+              <a:avLst/>
+            </a:prstGeom>
+          </p:spPr>
+        </p:pic>
+        <p:cxnSp>
+          <p:nvCxnSpPr>
+            <p:cNvPr id="47" name="Elbow Connector 46">
+              <a:extLst>
+                <a:ext uri="{FF2B5EF4-FFF2-40B4-BE49-F238E27FC236}">
+                  <a16:creationId xmlns:a16="http://schemas.microsoft.com/office/drawing/2014/main" id="{6F7D5233-F70E-534B-9BF9-03069DA7EA49}"/>
+                </a:ext>
+              </a:extLst>
+            </p:cNvPr>
+            <p:cNvCxnSpPr>
+              <a:cxnSpLocks/>
+              <a:stCxn id="36" idx="0"/>
+            </p:cNvCxnSpPr>
+            <p:nvPr/>
+          </p:nvCxnSpPr>
+          <p:spPr>
+            <a:xfrm rot="5400000" flipH="1" flipV="1">
+              <a:off x="4709476" y="3153834"/>
+              <a:ext cx="659026" cy="1199624"/>
+            </a:xfrm>
+            <a:prstGeom prst="bentConnector3">
+              <a:avLst/>
+            </a:prstGeom>
+            <a:ln w="63500">
+              <a:tailEnd type="triangle"/>
+            </a:ln>
+          </p:spPr>
+          <p:style>
+            <a:lnRef idx="1">
+              <a:schemeClr val="accent1"/>
+            </a:lnRef>
+            <a:fillRef idx="0">
+              <a:schemeClr val="accent1"/>
+            </a:fillRef>
+            <a:effectRef idx="0">
+              <a:schemeClr val="accent1"/>
+            </a:effectRef>
+            <a:fontRef idx="minor">
+              <a:schemeClr val="tx1"/>
+            </a:fontRef>
+          </p:style>
+        </p:cxnSp>
+        <p:cxnSp>
+          <p:nvCxnSpPr>
+            <p:cNvPr id="49" name="Straight Arrow Connector 48">
+              <a:extLst>
+                <a:ext uri="{FF2B5EF4-FFF2-40B4-BE49-F238E27FC236}">
+                  <a16:creationId xmlns:a16="http://schemas.microsoft.com/office/drawing/2014/main" id="{20766B29-CA2B-3544-9E40-8B31547102F8}"/>
+                </a:ext>
+              </a:extLst>
+            </p:cNvPr>
+            <p:cNvCxnSpPr>
+              <a:cxnSpLocks/>
+              <a:stCxn id="12" idx="0"/>
+            </p:cNvCxnSpPr>
+            <p:nvPr/>
+          </p:nvCxnSpPr>
+          <p:spPr>
+            <a:xfrm flipV="1">
+              <a:off x="5638800" y="3424133"/>
+              <a:ext cx="1" cy="659025"/>
+            </a:xfrm>
+            <a:prstGeom prst="straightConnector1">
+              <a:avLst/>
+            </a:prstGeom>
+            <a:ln w="63500">
+              <a:tailEnd type="triangle"/>
+            </a:ln>
+          </p:spPr>
+          <p:style>
+            <a:lnRef idx="1">
+              <a:schemeClr val="accent1"/>
+            </a:lnRef>
+            <a:fillRef idx="0">
+              <a:schemeClr val="accent1"/>
+            </a:fillRef>
+            <a:effectRef idx="0">
+              <a:schemeClr val="accent1"/>
+            </a:effectRef>
+            <a:fontRef idx="minor">
+              <a:schemeClr val="tx1"/>
+            </a:fontRef>
+          </p:style>
+        </p:cxnSp>
+        <p:cxnSp>
+          <p:nvCxnSpPr>
+            <p:cNvPr id="51" name="Elbow Connector 50">
+              <a:extLst>
+                <a:ext uri="{FF2B5EF4-FFF2-40B4-BE49-F238E27FC236}">
+                  <a16:creationId xmlns:a16="http://schemas.microsoft.com/office/drawing/2014/main" id="{948D4401-0CC7-5C40-9886-A148BA09BA85}"/>
+                </a:ext>
+              </a:extLst>
+            </p:cNvPr>
+            <p:cNvCxnSpPr>
+              <a:cxnSpLocks/>
+              <a:stCxn id="41" idx="0"/>
+            </p:cNvCxnSpPr>
+            <p:nvPr/>
+          </p:nvCxnSpPr>
+          <p:spPr>
+            <a:xfrm rot="16200000" flipV="1">
+              <a:off x="6080380" y="2982554"/>
+              <a:ext cx="659026" cy="1542183"/>
+            </a:xfrm>
+            <a:prstGeom prst="bentConnector3">
+              <a:avLst/>
+            </a:prstGeom>
+            <a:ln w="63500">
+              <a:tailEnd type="triangle"/>
+            </a:ln>
+          </p:spPr>
+          <p:style>
+            <a:lnRef idx="1">
+              <a:schemeClr val="accent1"/>
+            </a:lnRef>
+            <a:fillRef idx="0">
+              <a:schemeClr val="accent1"/>
+            </a:fillRef>
+            <a:effectRef idx="0">
+              <a:schemeClr val="accent1"/>
+            </a:effectRef>
+            <a:fontRef idx="minor">
+              <a:schemeClr val="tx1"/>
+            </a:fontRef>
+          </p:style>
+        </p:cxnSp>
+      </p:grpSp>
+    </p:spTree>
+    <p:extLst>
+      <p:ext uri="{BB962C8B-B14F-4D97-AF65-F5344CB8AC3E}">
+        <p14:creationId xmlns:p14="http://schemas.microsoft.com/office/powerpoint/2010/main" val="3227766636"/>
+      </p:ext>
+    </p:extLst>
+  </p:cSld>
+  <p:clrMapOvr>
+    <a:masterClrMapping/>
+  </p:clrMapOvr>
+</p:sld>
+</file>
+
 <file path=ppt/theme/theme1.xml><?xml version="1.0" encoding="utf-8"?>
 <a:theme xmlns:a="http://schemas.openxmlformats.org/drawingml/2006/main" name="Office Theme">
   <a:themeElements>

--- a/unix/img/figures.pptx
+++ b/unix/img/figures.pptx
@@ -4425,6 +4425,42 @@
           <a:chExt cx="0" cy="0"/>
         </a:xfrm>
       </p:grpSpPr>
+      <p:pic>
+        <p:nvPicPr>
+          <p:cNvPr id="16" name="Graphic 15">
+            <a:extLst>
+              <a:ext uri="{FF2B5EF4-FFF2-40B4-BE49-F238E27FC236}">
+                <a16:creationId xmlns:a16="http://schemas.microsoft.com/office/drawing/2014/main" id="{1CDF5DF5-41F3-914B-9779-88F0C2D10104}"/>
+              </a:ext>
+            </a:extLst>
+          </p:cNvPr>
+          <p:cNvPicPr>
+            <a:picLocks noChangeAspect="1"/>
+          </p:cNvPicPr>
+          <p:nvPr/>
+        </p:nvPicPr>
+        <p:blipFill>
+          <a:blip r:embed="rId2">
+            <a:extLst>
+              <a:ext uri="{96DAC541-7B7A-43D3-8B79-37D633B846F1}">
+                <asvg:svgBlip xmlns:asvg="http://schemas.microsoft.com/office/drawing/2016/SVG/main" r:embed="rId3"/>
+              </a:ext>
+            </a:extLst>
+          </a:blip>
+          <a:stretch>
+            <a:fillRect/>
+          </a:stretch>
+        </p:blipFill>
+        <p:spPr>
+          <a:xfrm>
+            <a:off x="9330381" y="5725016"/>
+            <a:ext cx="228600" cy="228600"/>
+          </a:xfrm>
+          <a:prstGeom prst="rect">
+            <a:avLst/>
+          </a:prstGeom>
+        </p:spPr>
+      </p:pic>
       <p:grpSp>
         <p:nvGrpSpPr>
           <p:cNvPr id="10" name="Group 9">
@@ -4439,10 +4475,10 @@
         </p:nvGrpSpPr>
         <p:grpSpPr>
           <a:xfrm>
-            <a:off x="4765964" y="2514600"/>
-            <a:ext cx="2660071" cy="914400"/>
-            <a:chOff x="2937165" y="3629891"/>
-            <a:chExt cx="2660071" cy="914400"/>
+            <a:off x="4765548" y="2732705"/>
+            <a:ext cx="2660904" cy="539496"/>
+            <a:chOff x="2937164" y="3924196"/>
+            <a:chExt cx="2660904" cy="539496"/>
           </a:xfrm>
         </p:grpSpPr>
         <p:sp>
@@ -4459,8 +4495,8 @@
           </p:nvSpPr>
           <p:spPr>
             <a:xfrm>
-              <a:off x="2937165" y="3629891"/>
-              <a:ext cx="2660071" cy="914400"/>
+              <a:off x="2937164" y="3924196"/>
+              <a:ext cx="2660904" cy="539496"/>
             </a:xfrm>
             <a:prstGeom prst="roundRect">
               <a:avLst/>
@@ -4487,7 +4523,7 @@
             <a:lstStyle/>
             <a:p>
               <a:pPr algn="ctr"/>
-              <a:endParaRPr lang="en-US"/>
+              <a:endParaRPr lang="en-US" dirty="0"/>
             </a:p>
           </p:txBody>
         </p:sp>
@@ -4506,10 +4542,10 @@
             <p:nvPr/>
           </p:nvPicPr>
           <p:blipFill>
-            <a:blip r:embed="rId2">
+            <a:blip r:embed="rId4">
               <a:extLst>
                 <a:ext uri="{96DAC541-7B7A-43D3-8B79-37D633B846F1}">
-                  <asvg:svgBlip xmlns:asvg="http://schemas.microsoft.com/office/drawing/2016/SVG/main" r:embed="rId3"/>
+                  <asvg:svgBlip xmlns:asvg="http://schemas.microsoft.com/office/drawing/2016/SVG/main" r:embed="rId5"/>
                 </a:ext>
               </a:extLst>
             </a:blip>
@@ -4519,7 +4555,7 @@
           </p:blipFill>
           <p:spPr>
             <a:xfrm>
-              <a:off x="3155372" y="3858491"/>
+              <a:off x="2978846" y="3965344"/>
               <a:ext cx="457200" cy="457200"/>
             </a:xfrm>
             <a:prstGeom prst="rect">
@@ -4541,8 +4577,8 @@
           </p:nvSpPr>
           <p:spPr>
             <a:xfrm>
-              <a:off x="3612572" y="3902425"/>
-              <a:ext cx="1877741" cy="369332"/>
+              <a:off x="3304752" y="4024667"/>
+              <a:ext cx="2138495" cy="338554"/>
             </a:xfrm>
             <a:prstGeom prst="rect">
               <a:avLst/>
@@ -4557,7 +4593,7 @@
             <a:p>
               <a:pPr algn="ctr"/>
               <a:r>
-                <a:rPr lang="en-US" dirty="0">
+                <a:rPr lang="en-US" sz="1600" dirty="0">
                   <a:solidFill>
                     <a:schemeClr val="bg1"/>
                   </a:solidFill>
@@ -4568,12 +4604,201 @@
           </p:txBody>
         </p:sp>
       </p:grpSp>
+      <p:grpSp>
+        <p:nvGrpSpPr>
+          <p:cNvPr id="35" name="Group 34">
+            <a:extLst>
+              <a:ext uri="{FF2B5EF4-FFF2-40B4-BE49-F238E27FC236}">
+                <a16:creationId xmlns:a16="http://schemas.microsoft.com/office/drawing/2014/main" id="{F40FB5CF-6A6A-0A4E-BC51-46697C698096}"/>
+              </a:ext>
+            </a:extLst>
+          </p:cNvPr>
+          <p:cNvGrpSpPr/>
+          <p:nvPr/>
+        </p:nvGrpSpPr>
+        <p:grpSpPr>
+          <a:xfrm>
+            <a:off x="8699326" y="2721848"/>
+            <a:ext cx="1158362" cy="538729"/>
+            <a:chOff x="900839" y="3428999"/>
+            <a:chExt cx="1158362" cy="538729"/>
+          </a:xfrm>
+        </p:grpSpPr>
+        <p:sp>
+          <p:nvSpPr>
+            <p:cNvPr id="36" name="Rounded Rectangle 35">
+              <a:extLst>
+                <a:ext uri="{FF2B5EF4-FFF2-40B4-BE49-F238E27FC236}">
+                  <a16:creationId xmlns:a16="http://schemas.microsoft.com/office/drawing/2014/main" id="{DE0909BD-0F62-734C-99E7-95079646936A}"/>
+                </a:ext>
+              </a:extLst>
+            </p:cNvPr>
+            <p:cNvSpPr/>
+            <p:nvPr/>
+          </p:nvSpPr>
+          <p:spPr>
+            <a:xfrm>
+              <a:off x="900839" y="3428999"/>
+              <a:ext cx="1158362" cy="538729"/>
+            </a:xfrm>
+            <a:prstGeom prst="roundRect">
+              <a:avLst/>
+            </a:prstGeom>
+          </p:spPr>
+          <p:style>
+            <a:lnRef idx="2">
+              <a:schemeClr val="accent1">
+                <a:shade val="50000"/>
+              </a:schemeClr>
+            </a:lnRef>
+            <a:fillRef idx="1">
+              <a:schemeClr val="accent1"/>
+            </a:fillRef>
+            <a:effectRef idx="0">
+              <a:schemeClr val="accent1"/>
+            </a:effectRef>
+            <a:fontRef idx="minor">
+              <a:schemeClr val="lt1"/>
+            </a:fontRef>
+          </p:style>
+          <p:txBody>
+            <a:bodyPr rtlCol="0" anchor="ctr"/>
+            <a:lstStyle/>
+            <a:p>
+              <a:pPr algn="ctr"/>
+              <a:endParaRPr lang="en-US" dirty="0"/>
+            </a:p>
+          </p:txBody>
+        </p:sp>
+        <p:pic>
+          <p:nvPicPr>
+            <p:cNvPr id="37" name="Graphic 36">
+              <a:extLst>
+                <a:ext uri="{FF2B5EF4-FFF2-40B4-BE49-F238E27FC236}">
+                  <a16:creationId xmlns:a16="http://schemas.microsoft.com/office/drawing/2014/main" id="{534BEBE2-A6FF-8849-B54C-4FCA7E622220}"/>
+                </a:ext>
+              </a:extLst>
+            </p:cNvPr>
+            <p:cNvPicPr>
+              <a:picLocks noChangeAspect="1"/>
+            </p:cNvPicPr>
+            <p:nvPr/>
+          </p:nvPicPr>
+          <p:blipFill>
+            <a:blip r:embed="rId6">
+              <a:extLst>
+                <a:ext uri="{96DAC541-7B7A-43D3-8B79-37D633B846F1}">
+                  <asvg:svgBlip xmlns:asvg="http://schemas.microsoft.com/office/drawing/2016/SVG/main" r:embed="rId7"/>
+                </a:ext>
+              </a:extLst>
+            </a:blip>
+            <a:stretch>
+              <a:fillRect/>
+            </a:stretch>
+          </p:blipFill>
+          <p:spPr>
+            <a:xfrm>
+              <a:off x="1519705" y="3469763"/>
+              <a:ext cx="457200" cy="457200"/>
+            </a:xfrm>
+            <a:prstGeom prst="rect">
+              <a:avLst/>
+            </a:prstGeom>
+          </p:spPr>
+        </p:pic>
+      </p:grpSp>
+      <p:cxnSp>
+        <p:nvCxnSpPr>
+          <p:cNvPr id="59" name="Straight Arrow Connector 58">
+            <a:extLst>
+              <a:ext uri="{FF2B5EF4-FFF2-40B4-BE49-F238E27FC236}">
+                <a16:creationId xmlns:a16="http://schemas.microsoft.com/office/drawing/2014/main" id="{C1CAA0D1-B1D8-1045-BC13-F9ED22682D6E}"/>
+              </a:ext>
+            </a:extLst>
+          </p:cNvPr>
+          <p:cNvCxnSpPr>
+            <a:cxnSpLocks/>
+            <a:stCxn id="56" idx="3"/>
+            <a:endCxn id="9" idx="1"/>
+          </p:cNvCxnSpPr>
+          <p:nvPr/>
+        </p:nvCxnSpPr>
+        <p:spPr>
+          <a:xfrm flipV="1">
+            <a:off x="2956104" y="3002453"/>
+            <a:ext cx="1851126" cy="384"/>
+          </a:xfrm>
+          <a:prstGeom prst="straightConnector1">
+            <a:avLst/>
+          </a:prstGeom>
+          <a:ln w="63500">
+            <a:tailEnd type="triangle"/>
+          </a:ln>
+        </p:spPr>
+        <p:style>
+          <a:lnRef idx="1">
+            <a:schemeClr val="accent1"/>
+          </a:lnRef>
+          <a:fillRef idx="0">
+            <a:schemeClr val="accent1"/>
+          </a:fillRef>
+          <a:effectRef idx="0">
+            <a:schemeClr val="accent1"/>
+          </a:effectRef>
+          <a:fontRef idx="minor">
+            <a:schemeClr val="tx1"/>
+          </a:fontRef>
+        </p:style>
+      </p:cxnSp>
+      <p:cxnSp>
+        <p:nvCxnSpPr>
+          <p:cNvPr id="62" name="Straight Arrow Connector 61">
+            <a:extLst>
+              <a:ext uri="{FF2B5EF4-FFF2-40B4-BE49-F238E27FC236}">
+                <a16:creationId xmlns:a16="http://schemas.microsoft.com/office/drawing/2014/main" id="{93AAC079-39A6-9640-896C-D2229F49FED7}"/>
+              </a:ext>
+            </a:extLst>
+          </p:cNvPr>
+          <p:cNvCxnSpPr>
+            <a:cxnSpLocks/>
+            <a:stCxn id="36" idx="1"/>
+            <a:endCxn id="7" idx="3"/>
+          </p:cNvCxnSpPr>
+          <p:nvPr/>
+        </p:nvCxnSpPr>
+        <p:spPr>
+          <a:xfrm flipH="1">
+            <a:off x="7426452" y="2991213"/>
+            <a:ext cx="1272874" cy="11240"/>
+          </a:xfrm>
+          <a:prstGeom prst="straightConnector1">
+            <a:avLst/>
+          </a:prstGeom>
+          <a:ln w="63500">
+            <a:tailEnd type="triangle"/>
+          </a:ln>
+        </p:spPr>
+        <p:style>
+          <a:lnRef idx="1">
+            <a:schemeClr val="accent1"/>
+          </a:lnRef>
+          <a:fillRef idx="0">
+            <a:schemeClr val="accent1"/>
+          </a:fillRef>
+          <a:effectRef idx="0">
+            <a:schemeClr val="accent1"/>
+          </a:effectRef>
+          <a:fontRef idx="minor">
+            <a:schemeClr val="tx1"/>
+          </a:fontRef>
+        </p:style>
+      </p:cxnSp>
       <p:pic>
         <p:nvPicPr>
-          <p:cNvPr id="16" name="Graphic 15">
-            <a:extLst>
-              <a:ext uri="{FF2B5EF4-FFF2-40B4-BE49-F238E27FC236}">
-                <a16:creationId xmlns:a16="http://schemas.microsoft.com/office/drawing/2014/main" id="{1CDF5DF5-41F3-914B-9779-88F0C2D10104}"/>
+          <p:cNvPr id="64" name="Graphic 63">
+            <a:extLst>
+              <a:ext uri="{FF2B5EF4-FFF2-40B4-BE49-F238E27FC236}">
+                <a16:creationId xmlns:a16="http://schemas.microsoft.com/office/drawing/2014/main" id="{A34B693C-43FA-EE4F-B23E-3FCB9D94475A}"/>
               </a:ext>
             </a:extLst>
           </p:cNvPr>
@@ -4583,10 +4808,10 @@
           <p:nvPr/>
         </p:nvPicPr>
         <p:blipFill>
-          <a:blip r:embed="rId4">
+          <a:blip r:embed="rId6">
             <a:extLst>
               <a:ext uri="{96DAC541-7B7A-43D3-8B79-37D633B846F1}">
-                <asvg:svgBlip xmlns:asvg="http://schemas.microsoft.com/office/drawing/2016/SVG/main" r:embed="rId5"/>
+                <asvg:svgBlip xmlns:asvg="http://schemas.microsoft.com/office/drawing/2016/SVG/main" r:embed="rId7"/>
               </a:ext>
             </a:extLst>
           </a:blip>
@@ -4596,43 +4821,7 @@
         </p:blipFill>
         <p:spPr>
           <a:xfrm>
-            <a:off x="9330381" y="5725016"/>
-            <a:ext cx="228600" cy="228600"/>
-          </a:xfrm>
-          <a:prstGeom prst="rect">
-            <a:avLst/>
-          </a:prstGeom>
-        </p:spPr>
-      </p:pic>
-      <p:pic>
-        <p:nvPicPr>
-          <p:cNvPr id="21" name="Graphic 20">
-            <a:extLst>
-              <a:ext uri="{FF2B5EF4-FFF2-40B4-BE49-F238E27FC236}">
-                <a16:creationId xmlns:a16="http://schemas.microsoft.com/office/drawing/2014/main" id="{E1AC4E0B-ADAE-9745-8160-B825DEEACC37}"/>
-              </a:ext>
-            </a:extLst>
-          </p:cNvPr>
-          <p:cNvPicPr>
-            <a:picLocks noChangeAspect="1"/>
-          </p:cNvPicPr>
-          <p:nvPr/>
-        </p:nvPicPr>
-        <p:blipFill>
-          <a:blip r:embed="rId6">
-            <a:extLst>
-              <a:ext uri="{96DAC541-7B7A-43D3-8B79-37D633B846F1}">
-                <asvg:svgBlip xmlns:asvg="http://schemas.microsoft.com/office/drawing/2016/SVG/main" r:embed="rId7"/>
-              </a:ext>
-            </a:extLst>
-          </a:blip>
-          <a:stretch>
-            <a:fillRect/>
-          </a:stretch>
-        </p:blipFill>
-        <p:spPr>
-          <a:xfrm>
-            <a:off x="2975262" y="4208318"/>
+            <a:off x="8778696" y="2762612"/>
             <a:ext cx="457200" cy="457200"/>
           </a:xfrm>
           <a:prstGeom prst="rect">
@@ -4642,10 +4831,10 @@
       </p:pic>
       <p:grpSp>
         <p:nvGrpSpPr>
-          <p:cNvPr id="52" name="Group 51">
-            <a:extLst>
-              <a:ext uri="{FF2B5EF4-FFF2-40B4-BE49-F238E27FC236}">
-                <a16:creationId xmlns:a16="http://schemas.microsoft.com/office/drawing/2014/main" id="{7D8D7518-8B59-DC45-B2E3-BDAC8C68475D}"/>
+          <p:cNvPr id="71" name="Group 70">
+            <a:extLst>
+              <a:ext uri="{FF2B5EF4-FFF2-40B4-BE49-F238E27FC236}">
+                <a16:creationId xmlns:a16="http://schemas.microsoft.com/office/drawing/2014/main" id="{EE2C338A-D2EE-9F46-8378-231C4FF6C593}"/>
               </a:ext>
             </a:extLst>
           </p:cNvPr>
@@ -4654,18 +4843,18 @@
         </p:nvGrpSpPr>
         <p:grpSpPr>
           <a:xfrm>
-            <a:off x="4096616" y="3429000"/>
-            <a:ext cx="3998768" cy="1573426"/>
-            <a:chOff x="3981977" y="3424133"/>
-            <a:chExt cx="3998768" cy="1573426"/>
+            <a:off x="2334312" y="2733472"/>
+            <a:ext cx="621792" cy="538729"/>
+            <a:chOff x="2334312" y="2733472"/>
+            <a:chExt cx="621792" cy="538729"/>
           </a:xfrm>
         </p:grpSpPr>
         <p:grpSp>
           <p:nvGrpSpPr>
-            <p:cNvPr id="22" name="Group 21">
+            <p:cNvPr id="55" name="Group 54">
               <a:extLst>
                 <a:ext uri="{FF2B5EF4-FFF2-40B4-BE49-F238E27FC236}">
-                  <a16:creationId xmlns:a16="http://schemas.microsoft.com/office/drawing/2014/main" id="{C655588E-DD27-CF4A-8F37-9A1474818F5D}"/>
+                  <a16:creationId xmlns:a16="http://schemas.microsoft.com/office/drawing/2014/main" id="{7CE1FFC4-ECD7-E742-9779-056FF43954EB}"/>
                 </a:ext>
               </a:extLst>
             </p:cNvPr>
@@ -4674,18 +4863,18 @@
           </p:nvGrpSpPr>
           <p:grpSpPr>
             <a:xfrm>
-              <a:off x="5181600" y="4083158"/>
-              <a:ext cx="914400" cy="914400"/>
+              <a:off x="2334312" y="2733472"/>
+              <a:ext cx="621792" cy="538729"/>
               <a:chOff x="1437409" y="3428999"/>
-              <a:chExt cx="914400" cy="914400"/>
+              <a:chExt cx="621792" cy="538729"/>
             </a:xfrm>
           </p:grpSpPr>
           <p:sp>
             <p:nvSpPr>
-              <p:cNvPr id="12" name="Rounded Rectangle 11">
+              <p:cNvPr id="56" name="Rounded Rectangle 55">
                 <a:extLst>
                   <a:ext uri="{FF2B5EF4-FFF2-40B4-BE49-F238E27FC236}">
-                    <a16:creationId xmlns:a16="http://schemas.microsoft.com/office/drawing/2014/main" id="{54F6B9E3-B5CB-8C44-B865-FDA6035F2607}"/>
+                    <a16:creationId xmlns:a16="http://schemas.microsoft.com/office/drawing/2014/main" id="{C5D11A29-1B13-5B42-9DE2-53DE2638E02A}"/>
                   </a:ext>
                 </a:extLst>
               </p:cNvPr>
@@ -4695,7 +4884,7 @@
             <p:spPr>
               <a:xfrm>
                 <a:off x="1437409" y="3428999"/>
-                <a:ext cx="914400" cy="914400"/>
+                <a:ext cx="621792" cy="538729"/>
               </a:xfrm>
               <a:prstGeom prst="roundRect">
                 <a:avLst/>
@@ -4728,10 +4917,10 @@
           </p:sp>
           <p:pic>
             <p:nvPicPr>
-              <p:cNvPr id="20" name="Graphic 19">
+              <p:cNvPr id="57" name="Graphic 56">
                 <a:extLst>
                   <a:ext uri="{FF2B5EF4-FFF2-40B4-BE49-F238E27FC236}">
-                    <a16:creationId xmlns:a16="http://schemas.microsoft.com/office/drawing/2014/main" id="{6379D18B-4D70-3F4F-9124-5E8CC4B43E61}"/>
+                    <a16:creationId xmlns:a16="http://schemas.microsoft.com/office/drawing/2014/main" id="{E1046BA2-9E0D-3A40-852F-51AA144E4D2C}"/>
                   </a:ext>
                 </a:extLst>
               </p:cNvPr>
@@ -4754,213 +4943,7 @@
             </p:blipFill>
             <p:spPr>
               <a:xfrm>
-                <a:off x="1666009" y="3657599"/>
-                <a:ext cx="457200" cy="457200"/>
-              </a:xfrm>
-              <a:prstGeom prst="rect">
-                <a:avLst/>
-              </a:prstGeom>
-            </p:spPr>
-          </p:pic>
-        </p:grpSp>
-        <p:grpSp>
-          <p:nvGrpSpPr>
-            <p:cNvPr id="35" name="Group 34">
-              <a:extLst>
-                <a:ext uri="{FF2B5EF4-FFF2-40B4-BE49-F238E27FC236}">
-                  <a16:creationId xmlns:a16="http://schemas.microsoft.com/office/drawing/2014/main" id="{F40FB5CF-6A6A-0A4E-BC51-46697C698096}"/>
-                </a:ext>
-              </a:extLst>
-            </p:cNvPr>
-            <p:cNvGrpSpPr/>
-            <p:nvPr/>
-          </p:nvGrpSpPr>
-          <p:grpSpPr>
-            <a:xfrm>
-              <a:off x="3981977" y="4083159"/>
-              <a:ext cx="914400" cy="914400"/>
-              <a:chOff x="1437409" y="3428999"/>
-              <a:chExt cx="914400" cy="914400"/>
-            </a:xfrm>
-          </p:grpSpPr>
-          <p:sp>
-            <p:nvSpPr>
-              <p:cNvPr id="36" name="Rounded Rectangle 35">
-                <a:extLst>
-                  <a:ext uri="{FF2B5EF4-FFF2-40B4-BE49-F238E27FC236}">
-                    <a16:creationId xmlns:a16="http://schemas.microsoft.com/office/drawing/2014/main" id="{DE0909BD-0F62-734C-99E7-95079646936A}"/>
-                  </a:ext>
-                </a:extLst>
-              </p:cNvPr>
-              <p:cNvSpPr/>
-              <p:nvPr/>
-            </p:nvSpPr>
-            <p:spPr>
-              <a:xfrm>
-                <a:off x="1437409" y="3428999"/>
-                <a:ext cx="914400" cy="914400"/>
-              </a:xfrm>
-              <a:prstGeom prst="roundRect">
-                <a:avLst/>
-              </a:prstGeom>
-            </p:spPr>
-            <p:style>
-              <a:lnRef idx="2">
-                <a:schemeClr val="accent1">
-                  <a:shade val="50000"/>
-                </a:schemeClr>
-              </a:lnRef>
-              <a:fillRef idx="1">
-                <a:schemeClr val="accent1"/>
-              </a:fillRef>
-              <a:effectRef idx="0">
-                <a:schemeClr val="accent1"/>
-              </a:effectRef>
-              <a:fontRef idx="minor">
-                <a:schemeClr val="lt1"/>
-              </a:fontRef>
-            </p:style>
-            <p:txBody>
-              <a:bodyPr rtlCol="0" anchor="ctr"/>
-              <a:lstStyle/>
-              <a:p>
-                <a:pPr algn="ctr"/>
-                <a:endParaRPr lang="en-US" dirty="0"/>
-              </a:p>
-            </p:txBody>
-          </p:sp>
-          <p:pic>
-            <p:nvPicPr>
-              <p:cNvPr id="37" name="Graphic 36">
-                <a:extLst>
-                  <a:ext uri="{FF2B5EF4-FFF2-40B4-BE49-F238E27FC236}">
-                    <a16:creationId xmlns:a16="http://schemas.microsoft.com/office/drawing/2014/main" id="{534BEBE2-A6FF-8849-B54C-4FCA7E622220}"/>
-                  </a:ext>
-                </a:extLst>
-              </p:cNvPr>
-              <p:cNvPicPr>
-                <a:picLocks noChangeAspect="1"/>
-              </p:cNvPicPr>
-              <p:nvPr/>
-            </p:nvPicPr>
-            <p:blipFill>
-              <a:blip r:embed="rId6">
-                <a:extLst>
-                  <a:ext uri="{96DAC541-7B7A-43D3-8B79-37D633B846F1}">
-                    <asvg:svgBlip xmlns:asvg="http://schemas.microsoft.com/office/drawing/2016/SVG/main" r:embed="rId7"/>
-                  </a:ext>
-                </a:extLst>
-              </a:blip>
-              <a:stretch>
-                <a:fillRect/>
-              </a:stretch>
-            </p:blipFill>
-            <p:spPr>
-              <a:xfrm>
-                <a:off x="1666009" y="3657599"/>
-                <a:ext cx="457200" cy="457200"/>
-              </a:xfrm>
-              <a:prstGeom prst="rect">
-                <a:avLst/>
-              </a:prstGeom>
-            </p:spPr>
-          </p:pic>
-        </p:grpSp>
-        <p:grpSp>
-          <p:nvGrpSpPr>
-            <p:cNvPr id="40" name="Group 39">
-              <a:extLst>
-                <a:ext uri="{FF2B5EF4-FFF2-40B4-BE49-F238E27FC236}">
-                  <a16:creationId xmlns:a16="http://schemas.microsoft.com/office/drawing/2014/main" id="{0837F95D-B82A-9948-8C45-FE107B387090}"/>
-                </a:ext>
-              </a:extLst>
-            </p:cNvPr>
-            <p:cNvGrpSpPr/>
-            <p:nvPr/>
-          </p:nvGrpSpPr>
-          <p:grpSpPr>
-            <a:xfrm>
-              <a:off x="6381222" y="4083159"/>
-              <a:ext cx="1599523" cy="914400"/>
-              <a:chOff x="1437408" y="3428999"/>
-              <a:chExt cx="1599523" cy="914400"/>
-            </a:xfrm>
-          </p:grpSpPr>
-          <p:sp>
-            <p:nvSpPr>
-              <p:cNvPr id="41" name="Rounded Rectangle 40">
-                <a:extLst>
-                  <a:ext uri="{FF2B5EF4-FFF2-40B4-BE49-F238E27FC236}">
-                    <a16:creationId xmlns:a16="http://schemas.microsoft.com/office/drawing/2014/main" id="{AACC0CB5-1DDE-4041-AA8F-6B7A1D19343B}"/>
-                  </a:ext>
-                </a:extLst>
-              </p:cNvPr>
-              <p:cNvSpPr/>
-              <p:nvPr/>
-            </p:nvSpPr>
-            <p:spPr>
-              <a:xfrm>
-                <a:off x="1437408" y="3428999"/>
-                <a:ext cx="1599523" cy="914400"/>
-              </a:xfrm>
-              <a:prstGeom prst="roundRect">
-                <a:avLst/>
-              </a:prstGeom>
-            </p:spPr>
-            <p:style>
-              <a:lnRef idx="2">
-                <a:schemeClr val="accent1">
-                  <a:shade val="50000"/>
-                </a:schemeClr>
-              </a:lnRef>
-              <a:fillRef idx="1">
-                <a:schemeClr val="accent1"/>
-              </a:fillRef>
-              <a:effectRef idx="0">
-                <a:schemeClr val="accent1"/>
-              </a:effectRef>
-              <a:fontRef idx="minor">
-                <a:schemeClr val="lt1"/>
-              </a:fontRef>
-            </p:style>
-            <p:txBody>
-              <a:bodyPr rtlCol="0" anchor="ctr"/>
-              <a:lstStyle/>
-              <a:p>
-                <a:pPr algn="ctr"/>
-                <a:endParaRPr lang="en-US" dirty="0"/>
-              </a:p>
-            </p:txBody>
-          </p:sp>
-          <p:pic>
-            <p:nvPicPr>
-              <p:cNvPr id="42" name="Graphic 41">
-                <a:extLst>
-                  <a:ext uri="{FF2B5EF4-FFF2-40B4-BE49-F238E27FC236}">
-                    <a16:creationId xmlns:a16="http://schemas.microsoft.com/office/drawing/2014/main" id="{42882ACB-7A48-2341-B55F-04434FFD5B7C}"/>
-                  </a:ext>
-                </a:extLst>
-              </p:cNvPr>
-              <p:cNvPicPr>
-                <a:picLocks noChangeAspect="1"/>
-              </p:cNvPicPr>
-              <p:nvPr/>
-            </p:nvPicPr>
-            <p:blipFill>
-              <a:blip r:embed="rId6">
-                <a:extLst>
-                  <a:ext uri="{96DAC541-7B7A-43D3-8B79-37D633B846F1}">
-                    <asvg:svgBlip xmlns:asvg="http://schemas.microsoft.com/office/drawing/2016/SVG/main" r:embed="rId7"/>
-                  </a:ext>
-                </a:extLst>
-              </a:blip>
-              <a:stretch>
-                <a:fillRect/>
-              </a:stretch>
-            </p:blipFill>
-            <p:spPr>
-              <a:xfrm>
-                <a:off x="1666009" y="3657599"/>
+                <a:off x="1519705" y="3469763"/>
                 <a:ext cx="457200" cy="457200"/>
               </a:xfrm>
               <a:prstGeom prst="rect">
@@ -4971,10 +4954,10 @@
         </p:grpSp>
         <p:pic>
           <p:nvPicPr>
-            <p:cNvPr id="43" name="Graphic 42">
+            <p:cNvPr id="70" name="Graphic 69">
               <a:extLst>
                 <a:ext uri="{FF2B5EF4-FFF2-40B4-BE49-F238E27FC236}">
-                  <a16:creationId xmlns:a16="http://schemas.microsoft.com/office/drawing/2014/main" id="{6C366C2C-A913-E14E-B622-8C31476AE899}"/>
+                  <a16:creationId xmlns:a16="http://schemas.microsoft.com/office/drawing/2014/main" id="{E12C8E61-627F-1844-A44A-75B3AFE49210}"/>
                 </a:ext>
               </a:extLst>
             </p:cNvPr>
@@ -4984,10 +4967,10 @@
             <p:nvPr/>
           </p:nvPicPr>
           <p:blipFill>
-            <a:blip r:embed="rId6">
+            <a:blip r:embed="rId8">
               <a:extLst>
                 <a:ext uri="{96DAC541-7B7A-43D3-8B79-37D633B846F1}">
-                  <asvg:svgBlip xmlns:asvg="http://schemas.microsoft.com/office/drawing/2016/SVG/main" r:embed="rId7"/>
+                  <asvg:svgBlip xmlns:asvg="http://schemas.microsoft.com/office/drawing/2016/SVG/main" r:embed="rId9"/>
                 </a:ext>
               </a:extLst>
             </a:blip>
@@ -4997,141 +4980,87 @@
           </p:blipFill>
           <p:spPr>
             <a:xfrm>
-              <a:off x="7295284" y="4311758"/>
-              <a:ext cx="457200" cy="457200"/>
+              <a:off x="2751478" y="2867086"/>
+              <a:ext cx="88840" cy="88840"/>
             </a:xfrm>
             <a:prstGeom prst="rect">
               <a:avLst/>
             </a:prstGeom>
           </p:spPr>
         </p:pic>
-        <p:cxnSp>
-          <p:nvCxnSpPr>
-            <p:cNvPr id="47" name="Elbow Connector 46">
-              <a:extLst>
-                <a:ext uri="{FF2B5EF4-FFF2-40B4-BE49-F238E27FC236}">
-                  <a16:creationId xmlns:a16="http://schemas.microsoft.com/office/drawing/2014/main" id="{6F7D5233-F70E-534B-9BF9-03069DA7EA49}"/>
-                </a:ext>
-              </a:extLst>
-            </p:cNvPr>
-            <p:cNvCxnSpPr>
-              <a:cxnSpLocks/>
-              <a:stCxn id="36" idx="0"/>
-            </p:cNvCxnSpPr>
-            <p:nvPr/>
-          </p:nvCxnSpPr>
-          <p:spPr>
-            <a:xfrm rot="5400000" flipH="1" flipV="1">
-              <a:off x="4709476" y="3153834"/>
-              <a:ext cx="659026" cy="1199624"/>
-            </a:xfrm>
-            <a:prstGeom prst="bentConnector3">
-              <a:avLst/>
-            </a:prstGeom>
-            <a:ln w="63500">
-              <a:tailEnd type="triangle"/>
-            </a:ln>
-          </p:spPr>
-          <p:style>
-            <a:lnRef idx="1">
-              <a:schemeClr val="accent1"/>
-            </a:lnRef>
-            <a:fillRef idx="0">
-              <a:schemeClr val="accent1"/>
-            </a:fillRef>
-            <a:effectRef idx="0">
-              <a:schemeClr val="accent1"/>
-            </a:effectRef>
-            <a:fontRef idx="minor">
-              <a:schemeClr val="tx1"/>
-            </a:fontRef>
-          </p:style>
-        </p:cxnSp>
-        <p:cxnSp>
-          <p:nvCxnSpPr>
-            <p:cNvPr id="49" name="Straight Arrow Connector 48">
-              <a:extLst>
-                <a:ext uri="{FF2B5EF4-FFF2-40B4-BE49-F238E27FC236}">
-                  <a16:creationId xmlns:a16="http://schemas.microsoft.com/office/drawing/2014/main" id="{20766B29-CA2B-3544-9E40-8B31547102F8}"/>
-                </a:ext>
-              </a:extLst>
-            </p:cNvPr>
-            <p:cNvCxnSpPr>
-              <a:cxnSpLocks/>
-              <a:stCxn id="12" idx="0"/>
-            </p:cNvCxnSpPr>
-            <p:nvPr/>
-          </p:nvCxnSpPr>
-          <p:spPr>
-            <a:xfrm flipV="1">
-              <a:off x="5638800" y="3424133"/>
-              <a:ext cx="1" cy="659025"/>
-            </a:xfrm>
-            <a:prstGeom prst="straightConnector1">
-              <a:avLst/>
-            </a:prstGeom>
-            <a:ln w="63500">
-              <a:tailEnd type="triangle"/>
-            </a:ln>
-          </p:spPr>
-          <p:style>
-            <a:lnRef idx="1">
-              <a:schemeClr val="accent1"/>
-            </a:lnRef>
-            <a:fillRef idx="0">
-              <a:schemeClr val="accent1"/>
-            </a:fillRef>
-            <a:effectRef idx="0">
-              <a:schemeClr val="accent1"/>
-            </a:effectRef>
-            <a:fontRef idx="minor">
-              <a:schemeClr val="tx1"/>
-            </a:fontRef>
-          </p:style>
-        </p:cxnSp>
-        <p:cxnSp>
-          <p:nvCxnSpPr>
-            <p:cNvPr id="51" name="Elbow Connector 50">
-              <a:extLst>
-                <a:ext uri="{FF2B5EF4-FFF2-40B4-BE49-F238E27FC236}">
-                  <a16:creationId xmlns:a16="http://schemas.microsoft.com/office/drawing/2014/main" id="{948D4401-0CC7-5C40-9886-A148BA09BA85}"/>
-                </a:ext>
-              </a:extLst>
-            </p:cNvPr>
-            <p:cNvCxnSpPr>
-              <a:cxnSpLocks/>
-              <a:stCxn id="41" idx="0"/>
-            </p:cNvCxnSpPr>
-            <p:nvPr/>
-          </p:nvCxnSpPr>
-          <p:spPr>
-            <a:xfrm rot="16200000" flipV="1">
-              <a:off x="6080380" y="2982554"/>
-              <a:ext cx="659026" cy="1542183"/>
-            </a:xfrm>
-            <a:prstGeom prst="bentConnector3">
-              <a:avLst/>
-            </a:prstGeom>
-            <a:ln w="63500">
-              <a:tailEnd type="triangle"/>
-            </a:ln>
-          </p:spPr>
-          <p:style>
-            <a:lnRef idx="1">
-              <a:schemeClr val="accent1"/>
-            </a:lnRef>
-            <a:fillRef idx="0">
-              <a:schemeClr val="accent1"/>
-            </a:fillRef>
-            <a:effectRef idx="0">
-              <a:schemeClr val="accent1"/>
-            </a:effectRef>
-            <a:fontRef idx="minor">
-              <a:schemeClr val="tx1"/>
-            </a:fontRef>
-          </p:style>
-        </p:cxnSp>
       </p:grpSp>
+      <p:pic>
+        <p:nvPicPr>
+          <p:cNvPr id="72" name="Graphic 71">
+            <a:extLst>
+              <a:ext uri="{FF2B5EF4-FFF2-40B4-BE49-F238E27FC236}">
+                <a16:creationId xmlns:a16="http://schemas.microsoft.com/office/drawing/2014/main" id="{57B6AEC4-9809-8049-8E4F-737F242B722C}"/>
+              </a:ext>
+            </a:extLst>
+          </p:cNvPr>
+          <p:cNvPicPr>
+            <a:picLocks noChangeAspect="1"/>
+          </p:cNvPicPr>
+          <p:nvPr/>
+        </p:nvPicPr>
+        <p:blipFill>
+          <a:blip r:embed="rId8">
+            <a:extLst>
+              <a:ext uri="{96DAC541-7B7A-43D3-8B79-37D633B846F1}">
+                <asvg:svgBlip xmlns:asvg="http://schemas.microsoft.com/office/drawing/2016/SVG/main" r:embed="rId9"/>
+              </a:ext>
+            </a:extLst>
+          </a:blip>
+          <a:stretch>
+            <a:fillRect/>
+          </a:stretch>
+        </p:blipFill>
+        <p:spPr>
+          <a:xfrm>
+            <a:off x="9117863" y="2851312"/>
+            <a:ext cx="88840" cy="88840"/>
+          </a:xfrm>
+          <a:prstGeom prst="rect">
+            <a:avLst/>
+          </a:prstGeom>
+        </p:spPr>
+      </p:pic>
+      <p:pic>
+        <p:nvPicPr>
+          <p:cNvPr id="73" name="Graphic 72">
+            <a:extLst>
+              <a:ext uri="{FF2B5EF4-FFF2-40B4-BE49-F238E27FC236}">
+                <a16:creationId xmlns:a16="http://schemas.microsoft.com/office/drawing/2014/main" id="{24F2A582-C124-E046-BEF0-F48BAEC5CDFB}"/>
+              </a:ext>
+            </a:extLst>
+          </p:cNvPr>
+          <p:cNvPicPr>
+            <a:picLocks noChangeAspect="1"/>
+          </p:cNvPicPr>
+          <p:nvPr/>
+        </p:nvPicPr>
+        <p:blipFill>
+          <a:blip r:embed="rId8">
+            <a:extLst>
+              <a:ext uri="{96DAC541-7B7A-43D3-8B79-37D633B846F1}">
+                <asvg:svgBlip xmlns:asvg="http://schemas.microsoft.com/office/drawing/2016/SVG/main" r:embed="rId9"/>
+              </a:ext>
+            </a:extLst>
+          </a:blip>
+          <a:stretch>
+            <a:fillRect/>
+          </a:stretch>
+        </p:blipFill>
+        <p:spPr>
+          <a:xfrm>
+            <a:off x="9657613" y="2851312"/>
+            <a:ext cx="88840" cy="88840"/>
+          </a:xfrm>
+          <a:prstGeom prst="rect">
+            <a:avLst/>
+          </a:prstGeom>
+        </p:spPr>
+      </p:pic>
     </p:spTree>
     <p:extLst>
       <p:ext uri="{BB962C8B-B14F-4D97-AF65-F5344CB8AC3E}">

--- a/unix/img/figures.pptx
+++ b/unix/img/figures.pptx
@@ -4425,48 +4425,12 @@
           <a:chExt cx="0" cy="0"/>
         </a:xfrm>
       </p:grpSpPr>
-      <p:pic>
-        <p:nvPicPr>
-          <p:cNvPr id="16" name="Graphic 15">
-            <a:extLst>
-              <a:ext uri="{FF2B5EF4-FFF2-40B4-BE49-F238E27FC236}">
-                <a16:creationId xmlns:a16="http://schemas.microsoft.com/office/drawing/2014/main" id="{1CDF5DF5-41F3-914B-9779-88F0C2D10104}"/>
-              </a:ext>
-            </a:extLst>
-          </p:cNvPr>
-          <p:cNvPicPr>
-            <a:picLocks noChangeAspect="1"/>
-          </p:cNvPicPr>
-          <p:nvPr/>
-        </p:nvPicPr>
-        <p:blipFill>
-          <a:blip r:embed="rId2">
-            <a:extLst>
-              <a:ext uri="{96DAC541-7B7A-43D3-8B79-37D633B846F1}">
-                <asvg:svgBlip xmlns:asvg="http://schemas.microsoft.com/office/drawing/2016/SVG/main" r:embed="rId3"/>
-              </a:ext>
-            </a:extLst>
-          </a:blip>
-          <a:stretch>
-            <a:fillRect/>
-          </a:stretch>
-        </p:blipFill>
-        <p:spPr>
-          <a:xfrm>
-            <a:off x="9330381" y="5725016"/>
-            <a:ext cx="228600" cy="228600"/>
-          </a:xfrm>
-          <a:prstGeom prst="rect">
-            <a:avLst/>
-          </a:prstGeom>
-        </p:spPr>
-      </p:pic>
       <p:grpSp>
         <p:nvGrpSpPr>
-          <p:cNvPr id="10" name="Group 9">
-            <a:extLst>
-              <a:ext uri="{FF2B5EF4-FFF2-40B4-BE49-F238E27FC236}">
-                <a16:creationId xmlns:a16="http://schemas.microsoft.com/office/drawing/2014/main" id="{6B811B47-D6AE-6E4C-8EA2-AD409181095F}"/>
+          <p:cNvPr id="74" name="Group 73">
+            <a:extLst>
+              <a:ext uri="{FF2B5EF4-FFF2-40B4-BE49-F238E27FC236}">
+                <a16:creationId xmlns:a16="http://schemas.microsoft.com/office/drawing/2014/main" id="{97C9D30D-9F03-CE47-821A-F645FD79B7E0}"/>
               </a:ext>
             </a:extLst>
           </p:cNvPr>
@@ -4475,380 +4439,265 @@
         </p:nvGrpSpPr>
         <p:grpSpPr>
           <a:xfrm>
-            <a:off x="4765548" y="2732705"/>
-            <a:ext cx="2660904" cy="539496"/>
-            <a:chOff x="2937164" y="3924196"/>
-            <a:chExt cx="2660904" cy="539496"/>
+            <a:off x="2334312" y="2721848"/>
+            <a:ext cx="7523376" cy="550353"/>
+            <a:chOff x="2334312" y="2721848"/>
+            <a:chExt cx="7523376" cy="550353"/>
           </a:xfrm>
+          <a:effectLst>
+            <a:outerShdw blurRad="50800" dist="38100" dir="2700000" algn="tl" rotWithShape="0">
+              <a:prstClr val="black">
+                <a:alpha val="40000"/>
+              </a:prstClr>
+            </a:outerShdw>
+          </a:effectLst>
         </p:grpSpPr>
-        <p:sp>
-          <p:nvSpPr>
-            <p:cNvPr id="7" name="Rounded Rectangle 6">
+        <p:grpSp>
+          <p:nvGrpSpPr>
+            <p:cNvPr id="10" name="Group 9">
               <a:extLst>
                 <a:ext uri="{FF2B5EF4-FFF2-40B4-BE49-F238E27FC236}">
-                  <a16:creationId xmlns:a16="http://schemas.microsoft.com/office/drawing/2014/main" id="{7CCFF582-4C5B-5F40-9245-AF0B8BDA6EC4}"/>
+                  <a16:creationId xmlns:a16="http://schemas.microsoft.com/office/drawing/2014/main" id="{6B811B47-D6AE-6E4C-8EA2-AD409181095F}"/>
                 </a:ext>
               </a:extLst>
             </p:cNvPr>
-            <p:cNvSpPr/>
+            <p:cNvGrpSpPr/>
             <p:nvPr/>
-          </p:nvSpPr>
-          <p:spPr>
+          </p:nvGrpSpPr>
+          <p:grpSpPr>
             <a:xfrm>
-              <a:off x="2937164" y="3924196"/>
+              <a:off x="4765548" y="2732705"/>
               <a:ext cx="2660904" cy="539496"/>
+              <a:chOff x="2937164" y="3924196"/>
+              <a:chExt cx="2660904" cy="539496"/>
             </a:xfrm>
-            <a:prstGeom prst="roundRect">
-              <a:avLst/>
-            </a:prstGeom>
-          </p:spPr>
-          <p:style>
-            <a:lnRef idx="2">
-              <a:schemeClr val="accent1">
-                <a:shade val="50000"/>
-              </a:schemeClr>
-            </a:lnRef>
-            <a:fillRef idx="1">
-              <a:schemeClr val="accent1"/>
-            </a:fillRef>
-            <a:effectRef idx="0">
-              <a:schemeClr val="accent1"/>
-            </a:effectRef>
-            <a:fontRef idx="minor">
-              <a:schemeClr val="lt1"/>
-            </a:fontRef>
-          </p:style>
-          <p:txBody>
-            <a:bodyPr rtlCol="0" anchor="ctr"/>
-            <a:lstStyle/>
-            <a:p>
-              <a:pPr algn="ctr"/>
-              <a:endParaRPr lang="en-US" dirty="0"/>
-            </a:p>
-          </p:txBody>
-        </p:sp>
-        <p:pic>
-          <p:nvPicPr>
-            <p:cNvPr id="9" name="Graphic 8">
+          </p:grpSpPr>
+          <p:sp>
+            <p:nvSpPr>
+              <p:cNvPr id="7" name="Rounded Rectangle 6">
+                <a:extLst>
+                  <a:ext uri="{FF2B5EF4-FFF2-40B4-BE49-F238E27FC236}">
+                    <a16:creationId xmlns:a16="http://schemas.microsoft.com/office/drawing/2014/main" id="{7CCFF582-4C5B-5F40-9245-AF0B8BDA6EC4}"/>
+                  </a:ext>
+                </a:extLst>
+              </p:cNvPr>
+              <p:cNvSpPr/>
+              <p:nvPr/>
+            </p:nvSpPr>
+            <p:spPr>
+              <a:xfrm>
+                <a:off x="2937164" y="3924196"/>
+                <a:ext cx="2660904" cy="539496"/>
+              </a:xfrm>
+              <a:prstGeom prst="roundRect">
+                <a:avLst/>
+              </a:prstGeom>
+            </p:spPr>
+            <p:style>
+              <a:lnRef idx="2">
+                <a:schemeClr val="accent1">
+                  <a:shade val="50000"/>
+                </a:schemeClr>
+              </a:lnRef>
+              <a:fillRef idx="1">
+                <a:schemeClr val="accent1"/>
+              </a:fillRef>
+              <a:effectRef idx="0">
+                <a:schemeClr val="accent1"/>
+              </a:effectRef>
+              <a:fontRef idx="minor">
+                <a:schemeClr val="lt1"/>
+              </a:fontRef>
+            </p:style>
+            <p:txBody>
+              <a:bodyPr rtlCol="0" anchor="ctr"/>
+              <a:lstStyle/>
+              <a:p>
+                <a:pPr algn="ctr"/>
+                <a:endParaRPr lang="en-US" dirty="0"/>
+              </a:p>
+            </p:txBody>
+          </p:sp>
+          <p:pic>
+            <p:nvPicPr>
+              <p:cNvPr id="9" name="Graphic 8">
+                <a:extLst>
+                  <a:ext uri="{FF2B5EF4-FFF2-40B4-BE49-F238E27FC236}">
+                    <a16:creationId xmlns:a16="http://schemas.microsoft.com/office/drawing/2014/main" id="{B197DCE1-0AEF-FE4C-BCD5-3A7FAFBCF9FC}"/>
+                  </a:ext>
+                </a:extLst>
+              </p:cNvPr>
+              <p:cNvPicPr>
+                <a:picLocks noChangeAspect="1"/>
+              </p:cNvPicPr>
+              <p:nvPr/>
+            </p:nvPicPr>
+            <p:blipFill>
+              <a:blip r:embed="rId2">
+                <a:extLst>
+                  <a:ext uri="{96DAC541-7B7A-43D3-8B79-37D633B846F1}">
+                    <asvg:svgBlip xmlns:asvg="http://schemas.microsoft.com/office/drawing/2016/SVG/main" r:embed="rId3"/>
+                  </a:ext>
+                </a:extLst>
+              </a:blip>
+              <a:stretch>
+                <a:fillRect/>
+              </a:stretch>
+            </p:blipFill>
+            <p:spPr>
+              <a:xfrm>
+                <a:off x="2978846" y="3965344"/>
+                <a:ext cx="457200" cy="457200"/>
+              </a:xfrm>
+              <a:prstGeom prst="rect">
+                <a:avLst/>
+              </a:prstGeom>
+            </p:spPr>
+          </p:pic>
+          <p:sp>
+            <p:nvSpPr>
+              <p:cNvPr id="5" name="TextBox 4">
+                <a:extLst>
+                  <a:ext uri="{FF2B5EF4-FFF2-40B4-BE49-F238E27FC236}">
+                    <a16:creationId xmlns:a16="http://schemas.microsoft.com/office/drawing/2014/main" id="{5E5612EB-5845-914E-A45F-4342CFC939E7}"/>
+                  </a:ext>
+                </a:extLst>
+              </p:cNvPr>
+              <p:cNvSpPr txBox="1"/>
+              <p:nvPr/>
+            </p:nvSpPr>
+            <p:spPr>
+              <a:xfrm>
+                <a:off x="3304752" y="4024667"/>
+                <a:ext cx="2138495" cy="338554"/>
+              </a:xfrm>
+              <a:prstGeom prst="rect">
+                <a:avLst/>
+              </a:prstGeom>
+              <a:noFill/>
+            </p:spPr>
+            <p:txBody>
+              <a:bodyPr wrap="square" rtlCol="0">
+                <a:spAutoFit/>
+              </a:bodyPr>
+              <a:lstStyle/>
+              <a:p>
+                <a:pPr algn="ctr"/>
+                <a:r>
+                  <a:rPr lang="en-US" sz="1600" dirty="0">
+                    <a:solidFill>
+                      <a:schemeClr val="bg1"/>
+                    </a:solidFill>
+                  </a:rPr>
+                  <a:t>remote computer</a:t>
+                </a:r>
+              </a:p>
+            </p:txBody>
+          </p:sp>
+        </p:grpSp>
+        <p:grpSp>
+          <p:nvGrpSpPr>
+            <p:cNvPr id="35" name="Group 34">
               <a:extLst>
                 <a:ext uri="{FF2B5EF4-FFF2-40B4-BE49-F238E27FC236}">
-                  <a16:creationId xmlns:a16="http://schemas.microsoft.com/office/drawing/2014/main" id="{B197DCE1-0AEF-FE4C-BCD5-3A7FAFBCF9FC}"/>
+                  <a16:creationId xmlns:a16="http://schemas.microsoft.com/office/drawing/2014/main" id="{F40FB5CF-6A6A-0A4E-BC51-46697C698096}"/>
                 </a:ext>
               </a:extLst>
             </p:cNvPr>
-            <p:cNvPicPr>
-              <a:picLocks noChangeAspect="1"/>
-            </p:cNvPicPr>
+            <p:cNvGrpSpPr/>
             <p:nvPr/>
-          </p:nvPicPr>
-          <p:blipFill>
-            <a:blip r:embed="rId4">
-              <a:extLst>
-                <a:ext uri="{96DAC541-7B7A-43D3-8B79-37D633B846F1}">
-                  <asvg:svgBlip xmlns:asvg="http://schemas.microsoft.com/office/drawing/2016/SVG/main" r:embed="rId5"/>
-                </a:ext>
-              </a:extLst>
-            </a:blip>
-            <a:stretch>
-              <a:fillRect/>
-            </a:stretch>
-          </p:blipFill>
-          <p:spPr>
+          </p:nvGrpSpPr>
+          <p:grpSpPr>
             <a:xfrm>
-              <a:off x="2978846" y="3965344"/>
-              <a:ext cx="457200" cy="457200"/>
+              <a:off x="8699326" y="2721848"/>
+              <a:ext cx="1158362" cy="538729"/>
+              <a:chOff x="900839" y="3428999"/>
+              <a:chExt cx="1158362" cy="538729"/>
             </a:xfrm>
-            <a:prstGeom prst="rect">
-              <a:avLst/>
-            </a:prstGeom>
-          </p:spPr>
-        </p:pic>
-        <p:sp>
-          <p:nvSpPr>
-            <p:cNvPr id="5" name="TextBox 4">
-              <a:extLst>
-                <a:ext uri="{FF2B5EF4-FFF2-40B4-BE49-F238E27FC236}">
-                  <a16:creationId xmlns:a16="http://schemas.microsoft.com/office/drawing/2014/main" id="{5E5612EB-5845-914E-A45F-4342CFC939E7}"/>
-                </a:ext>
-              </a:extLst>
-            </p:cNvPr>
-            <p:cNvSpPr txBox="1"/>
-            <p:nvPr/>
-          </p:nvSpPr>
-          <p:spPr>
-            <a:xfrm>
-              <a:off x="3304752" y="4024667"/>
-              <a:ext cx="2138495" cy="338554"/>
-            </a:xfrm>
-            <a:prstGeom prst="rect">
-              <a:avLst/>
-            </a:prstGeom>
-            <a:noFill/>
-          </p:spPr>
-          <p:txBody>
-            <a:bodyPr wrap="square" rtlCol="0">
-              <a:spAutoFit/>
-            </a:bodyPr>
-            <a:lstStyle/>
-            <a:p>
-              <a:pPr algn="ctr"/>
-              <a:r>
-                <a:rPr lang="en-US" sz="1600" dirty="0">
-                  <a:solidFill>
-                    <a:schemeClr val="bg1"/>
-                  </a:solidFill>
-                </a:rPr>
-                <a:t>remote computer</a:t>
-              </a:r>
-            </a:p>
-          </p:txBody>
-        </p:sp>
-      </p:grpSp>
-      <p:grpSp>
-        <p:nvGrpSpPr>
-          <p:cNvPr id="35" name="Group 34">
-            <a:extLst>
-              <a:ext uri="{FF2B5EF4-FFF2-40B4-BE49-F238E27FC236}">
-                <a16:creationId xmlns:a16="http://schemas.microsoft.com/office/drawing/2014/main" id="{F40FB5CF-6A6A-0A4E-BC51-46697C698096}"/>
-              </a:ext>
-            </a:extLst>
-          </p:cNvPr>
-          <p:cNvGrpSpPr/>
-          <p:nvPr/>
-        </p:nvGrpSpPr>
-        <p:grpSpPr>
-          <a:xfrm>
-            <a:off x="8699326" y="2721848"/>
-            <a:ext cx="1158362" cy="538729"/>
-            <a:chOff x="900839" y="3428999"/>
-            <a:chExt cx="1158362" cy="538729"/>
-          </a:xfrm>
-        </p:grpSpPr>
-        <p:sp>
-          <p:nvSpPr>
-            <p:cNvPr id="36" name="Rounded Rectangle 35">
-              <a:extLst>
-                <a:ext uri="{FF2B5EF4-FFF2-40B4-BE49-F238E27FC236}">
-                  <a16:creationId xmlns:a16="http://schemas.microsoft.com/office/drawing/2014/main" id="{DE0909BD-0F62-734C-99E7-95079646936A}"/>
-                </a:ext>
-              </a:extLst>
-            </p:cNvPr>
-            <p:cNvSpPr/>
-            <p:nvPr/>
-          </p:nvSpPr>
-          <p:spPr>
-            <a:xfrm>
-              <a:off x="900839" y="3428999"/>
-              <a:ext cx="1158362" cy="538729"/>
-            </a:xfrm>
-            <a:prstGeom prst="roundRect">
-              <a:avLst/>
-            </a:prstGeom>
-          </p:spPr>
-          <p:style>
-            <a:lnRef idx="2">
-              <a:schemeClr val="accent1">
-                <a:shade val="50000"/>
-              </a:schemeClr>
-            </a:lnRef>
-            <a:fillRef idx="1">
-              <a:schemeClr val="accent1"/>
-            </a:fillRef>
-            <a:effectRef idx="0">
-              <a:schemeClr val="accent1"/>
-            </a:effectRef>
-            <a:fontRef idx="minor">
-              <a:schemeClr val="lt1"/>
-            </a:fontRef>
-          </p:style>
-          <p:txBody>
-            <a:bodyPr rtlCol="0" anchor="ctr"/>
-            <a:lstStyle/>
-            <a:p>
-              <a:pPr algn="ctr"/>
-              <a:endParaRPr lang="en-US" dirty="0"/>
-            </a:p>
-          </p:txBody>
-        </p:sp>
-        <p:pic>
-          <p:nvPicPr>
-            <p:cNvPr id="37" name="Graphic 36">
-              <a:extLst>
-                <a:ext uri="{FF2B5EF4-FFF2-40B4-BE49-F238E27FC236}">
-                  <a16:creationId xmlns:a16="http://schemas.microsoft.com/office/drawing/2014/main" id="{534BEBE2-A6FF-8849-B54C-4FCA7E622220}"/>
-                </a:ext>
-              </a:extLst>
-            </p:cNvPr>
-            <p:cNvPicPr>
-              <a:picLocks noChangeAspect="1"/>
-            </p:cNvPicPr>
-            <p:nvPr/>
-          </p:nvPicPr>
-          <p:blipFill>
-            <a:blip r:embed="rId6">
-              <a:extLst>
-                <a:ext uri="{96DAC541-7B7A-43D3-8B79-37D633B846F1}">
-                  <asvg:svgBlip xmlns:asvg="http://schemas.microsoft.com/office/drawing/2016/SVG/main" r:embed="rId7"/>
-                </a:ext>
-              </a:extLst>
-            </a:blip>
-            <a:stretch>
-              <a:fillRect/>
-            </a:stretch>
-          </p:blipFill>
-          <p:spPr>
-            <a:xfrm>
-              <a:off x="1519705" y="3469763"/>
-              <a:ext cx="457200" cy="457200"/>
-            </a:xfrm>
-            <a:prstGeom prst="rect">
-              <a:avLst/>
-            </a:prstGeom>
-          </p:spPr>
-        </p:pic>
-      </p:grpSp>
-      <p:cxnSp>
-        <p:nvCxnSpPr>
-          <p:cNvPr id="59" name="Straight Arrow Connector 58">
-            <a:extLst>
-              <a:ext uri="{FF2B5EF4-FFF2-40B4-BE49-F238E27FC236}">
-                <a16:creationId xmlns:a16="http://schemas.microsoft.com/office/drawing/2014/main" id="{C1CAA0D1-B1D8-1045-BC13-F9ED22682D6E}"/>
-              </a:ext>
-            </a:extLst>
-          </p:cNvPr>
-          <p:cNvCxnSpPr>
-            <a:cxnSpLocks/>
-            <a:stCxn id="56" idx="3"/>
-            <a:endCxn id="9" idx="1"/>
-          </p:cNvCxnSpPr>
-          <p:nvPr/>
-        </p:nvCxnSpPr>
-        <p:spPr>
-          <a:xfrm flipV="1">
-            <a:off x="2956104" y="3002453"/>
-            <a:ext cx="1851126" cy="384"/>
-          </a:xfrm>
-          <a:prstGeom prst="straightConnector1">
-            <a:avLst/>
-          </a:prstGeom>
-          <a:ln w="63500">
-            <a:tailEnd type="triangle"/>
-          </a:ln>
-        </p:spPr>
-        <p:style>
-          <a:lnRef idx="1">
-            <a:schemeClr val="accent1"/>
-          </a:lnRef>
-          <a:fillRef idx="0">
-            <a:schemeClr val="accent1"/>
-          </a:fillRef>
-          <a:effectRef idx="0">
-            <a:schemeClr val="accent1"/>
-          </a:effectRef>
-          <a:fontRef idx="minor">
-            <a:schemeClr val="tx1"/>
-          </a:fontRef>
-        </p:style>
-      </p:cxnSp>
-      <p:cxnSp>
-        <p:nvCxnSpPr>
-          <p:cNvPr id="62" name="Straight Arrow Connector 61">
-            <a:extLst>
-              <a:ext uri="{FF2B5EF4-FFF2-40B4-BE49-F238E27FC236}">
-                <a16:creationId xmlns:a16="http://schemas.microsoft.com/office/drawing/2014/main" id="{93AAC079-39A6-9640-896C-D2229F49FED7}"/>
-              </a:ext>
-            </a:extLst>
-          </p:cNvPr>
-          <p:cNvCxnSpPr>
-            <a:cxnSpLocks/>
-            <a:stCxn id="36" idx="1"/>
-            <a:endCxn id="7" idx="3"/>
-          </p:cNvCxnSpPr>
-          <p:nvPr/>
-        </p:nvCxnSpPr>
-        <p:spPr>
-          <a:xfrm flipH="1">
-            <a:off x="7426452" y="2991213"/>
-            <a:ext cx="1272874" cy="11240"/>
-          </a:xfrm>
-          <a:prstGeom prst="straightConnector1">
-            <a:avLst/>
-          </a:prstGeom>
-          <a:ln w="63500">
-            <a:tailEnd type="triangle"/>
-          </a:ln>
-        </p:spPr>
-        <p:style>
-          <a:lnRef idx="1">
-            <a:schemeClr val="accent1"/>
-          </a:lnRef>
-          <a:fillRef idx="0">
-            <a:schemeClr val="accent1"/>
-          </a:fillRef>
-          <a:effectRef idx="0">
-            <a:schemeClr val="accent1"/>
-          </a:effectRef>
-          <a:fontRef idx="minor">
-            <a:schemeClr val="tx1"/>
-          </a:fontRef>
-        </p:style>
-      </p:cxnSp>
-      <p:pic>
-        <p:nvPicPr>
-          <p:cNvPr id="64" name="Graphic 63">
-            <a:extLst>
-              <a:ext uri="{FF2B5EF4-FFF2-40B4-BE49-F238E27FC236}">
-                <a16:creationId xmlns:a16="http://schemas.microsoft.com/office/drawing/2014/main" id="{A34B693C-43FA-EE4F-B23E-3FCB9D94475A}"/>
-              </a:ext>
-            </a:extLst>
-          </p:cNvPr>
-          <p:cNvPicPr>
-            <a:picLocks noChangeAspect="1"/>
-          </p:cNvPicPr>
-          <p:nvPr/>
-        </p:nvPicPr>
-        <p:blipFill>
-          <a:blip r:embed="rId6">
-            <a:extLst>
-              <a:ext uri="{96DAC541-7B7A-43D3-8B79-37D633B846F1}">
-                <asvg:svgBlip xmlns:asvg="http://schemas.microsoft.com/office/drawing/2016/SVG/main" r:embed="rId7"/>
-              </a:ext>
-            </a:extLst>
-          </a:blip>
-          <a:stretch>
-            <a:fillRect/>
-          </a:stretch>
-        </p:blipFill>
-        <p:spPr>
-          <a:xfrm>
-            <a:off x="8778696" y="2762612"/>
-            <a:ext cx="457200" cy="457200"/>
-          </a:xfrm>
-          <a:prstGeom prst="rect">
-            <a:avLst/>
-          </a:prstGeom>
-        </p:spPr>
-      </p:pic>
-      <p:grpSp>
-        <p:nvGrpSpPr>
-          <p:cNvPr id="71" name="Group 70">
-            <a:extLst>
-              <a:ext uri="{FF2B5EF4-FFF2-40B4-BE49-F238E27FC236}">
-                <a16:creationId xmlns:a16="http://schemas.microsoft.com/office/drawing/2014/main" id="{EE2C338A-D2EE-9F46-8378-231C4FF6C593}"/>
-              </a:ext>
-            </a:extLst>
-          </p:cNvPr>
-          <p:cNvGrpSpPr/>
-          <p:nvPr/>
-        </p:nvGrpSpPr>
-        <p:grpSpPr>
-          <a:xfrm>
-            <a:off x="2334312" y="2733472"/>
-            <a:ext cx="621792" cy="538729"/>
-            <a:chOff x="2334312" y="2733472"/>
-            <a:chExt cx="621792" cy="538729"/>
-          </a:xfrm>
-        </p:grpSpPr>
+          </p:grpSpPr>
+          <p:sp>
+            <p:nvSpPr>
+              <p:cNvPr id="36" name="Rounded Rectangle 35">
+                <a:extLst>
+                  <a:ext uri="{FF2B5EF4-FFF2-40B4-BE49-F238E27FC236}">
+                    <a16:creationId xmlns:a16="http://schemas.microsoft.com/office/drawing/2014/main" id="{DE0909BD-0F62-734C-99E7-95079646936A}"/>
+                  </a:ext>
+                </a:extLst>
+              </p:cNvPr>
+              <p:cNvSpPr/>
+              <p:nvPr/>
+            </p:nvSpPr>
+            <p:spPr>
+              <a:xfrm>
+                <a:off x="900839" y="3428999"/>
+                <a:ext cx="1158362" cy="538729"/>
+              </a:xfrm>
+              <a:prstGeom prst="roundRect">
+                <a:avLst/>
+              </a:prstGeom>
+            </p:spPr>
+            <p:style>
+              <a:lnRef idx="2">
+                <a:schemeClr val="accent1">
+                  <a:shade val="50000"/>
+                </a:schemeClr>
+              </a:lnRef>
+              <a:fillRef idx="1">
+                <a:schemeClr val="accent1"/>
+              </a:fillRef>
+              <a:effectRef idx="0">
+                <a:schemeClr val="accent1"/>
+              </a:effectRef>
+              <a:fontRef idx="minor">
+                <a:schemeClr val="lt1"/>
+              </a:fontRef>
+            </p:style>
+            <p:txBody>
+              <a:bodyPr rtlCol="0" anchor="ctr"/>
+              <a:lstStyle/>
+              <a:p>
+                <a:pPr algn="ctr"/>
+                <a:endParaRPr lang="en-US" dirty="0"/>
+              </a:p>
+            </p:txBody>
+          </p:sp>
+          <p:pic>
+            <p:nvPicPr>
+              <p:cNvPr id="37" name="Graphic 36">
+                <a:extLst>
+                  <a:ext uri="{FF2B5EF4-FFF2-40B4-BE49-F238E27FC236}">
+                    <a16:creationId xmlns:a16="http://schemas.microsoft.com/office/drawing/2014/main" id="{534BEBE2-A6FF-8849-B54C-4FCA7E622220}"/>
+                  </a:ext>
+                </a:extLst>
+              </p:cNvPr>
+              <p:cNvPicPr>
+                <a:picLocks noChangeAspect="1"/>
+              </p:cNvPicPr>
+              <p:nvPr/>
+            </p:nvPicPr>
+            <p:blipFill>
+              <a:blip r:embed="rId4">
+                <a:extLst>
+                  <a:ext uri="{96DAC541-7B7A-43D3-8B79-37D633B846F1}">
+                    <asvg:svgBlip xmlns:asvg="http://schemas.microsoft.com/office/drawing/2016/SVG/main" r:embed="rId5"/>
+                  </a:ext>
+                </a:extLst>
+              </a:blip>
+              <a:stretch>
+                <a:fillRect/>
+              </a:stretch>
+            </p:blipFill>
+            <p:spPr>
+              <a:xfrm>
+                <a:off x="1519705" y="3469763"/>
+                <a:ext cx="457200" cy="457200"/>
+              </a:xfrm>
+              <a:prstGeom prst="rect">
+                <a:avLst/>
+              </a:prstGeom>
+            </p:spPr>
+          </p:pic>
+        </p:grpSp>
         <p:grpSp>
           <p:nvGrpSpPr>
             <p:cNvPr id="55" name="Group 54">
@@ -4930,10 +4779,10 @@
               <p:nvPr/>
             </p:nvPicPr>
             <p:blipFill>
-              <a:blip r:embed="rId6">
+              <a:blip r:embed="rId4">
                 <a:extLst>
                   <a:ext uri="{96DAC541-7B7A-43D3-8B79-37D633B846F1}">
-                    <asvg:svgBlip xmlns:asvg="http://schemas.microsoft.com/office/drawing/2016/SVG/main" r:embed="rId7"/>
+                    <asvg:svgBlip xmlns:asvg="http://schemas.microsoft.com/office/drawing/2016/SVG/main" r:embed="rId5"/>
                   </a:ext>
                 </a:extLst>
               </a:blip>
@@ -4952,12 +4801,98 @@
             </p:spPr>
           </p:pic>
         </p:grpSp>
+        <p:cxnSp>
+          <p:nvCxnSpPr>
+            <p:cNvPr id="59" name="Straight Arrow Connector 58">
+              <a:extLst>
+                <a:ext uri="{FF2B5EF4-FFF2-40B4-BE49-F238E27FC236}">
+                  <a16:creationId xmlns:a16="http://schemas.microsoft.com/office/drawing/2014/main" id="{C1CAA0D1-B1D8-1045-BC13-F9ED22682D6E}"/>
+                </a:ext>
+              </a:extLst>
+            </p:cNvPr>
+            <p:cNvCxnSpPr>
+              <a:cxnSpLocks/>
+              <a:stCxn id="56" idx="3"/>
+              <a:endCxn id="9" idx="1"/>
+            </p:cNvCxnSpPr>
+            <p:nvPr/>
+          </p:nvCxnSpPr>
+          <p:spPr>
+            <a:xfrm flipV="1">
+              <a:off x="2956104" y="3002453"/>
+              <a:ext cx="1851126" cy="384"/>
+            </a:xfrm>
+            <a:prstGeom prst="straightConnector1">
+              <a:avLst/>
+            </a:prstGeom>
+            <a:ln w="63500">
+              <a:tailEnd type="triangle"/>
+            </a:ln>
+          </p:spPr>
+          <p:style>
+            <a:lnRef idx="1">
+              <a:schemeClr val="accent1"/>
+            </a:lnRef>
+            <a:fillRef idx="0">
+              <a:schemeClr val="accent1"/>
+            </a:fillRef>
+            <a:effectRef idx="0">
+              <a:schemeClr val="accent1"/>
+            </a:effectRef>
+            <a:fontRef idx="minor">
+              <a:schemeClr val="tx1"/>
+            </a:fontRef>
+          </p:style>
+        </p:cxnSp>
+        <p:cxnSp>
+          <p:nvCxnSpPr>
+            <p:cNvPr id="62" name="Straight Arrow Connector 61">
+              <a:extLst>
+                <a:ext uri="{FF2B5EF4-FFF2-40B4-BE49-F238E27FC236}">
+                  <a16:creationId xmlns:a16="http://schemas.microsoft.com/office/drawing/2014/main" id="{93AAC079-39A6-9640-896C-D2229F49FED7}"/>
+                </a:ext>
+              </a:extLst>
+            </p:cNvPr>
+            <p:cNvCxnSpPr>
+              <a:cxnSpLocks/>
+              <a:stCxn id="36" idx="1"/>
+              <a:endCxn id="7" idx="3"/>
+            </p:cNvCxnSpPr>
+            <p:nvPr/>
+          </p:nvCxnSpPr>
+          <p:spPr>
+            <a:xfrm flipH="1">
+              <a:off x="7426452" y="2991213"/>
+              <a:ext cx="1272874" cy="11240"/>
+            </a:xfrm>
+            <a:prstGeom prst="straightConnector1">
+              <a:avLst/>
+            </a:prstGeom>
+            <a:ln w="63500">
+              <a:tailEnd type="triangle"/>
+            </a:ln>
+          </p:spPr>
+          <p:style>
+            <a:lnRef idx="1">
+              <a:schemeClr val="accent1"/>
+            </a:lnRef>
+            <a:fillRef idx="0">
+              <a:schemeClr val="accent1"/>
+            </a:fillRef>
+            <a:effectRef idx="0">
+              <a:schemeClr val="accent1"/>
+            </a:effectRef>
+            <a:fontRef idx="minor">
+              <a:schemeClr val="tx1"/>
+            </a:fontRef>
+          </p:style>
+        </p:cxnSp>
         <p:pic>
           <p:nvPicPr>
-            <p:cNvPr id="70" name="Graphic 69">
+            <p:cNvPr id="64" name="Graphic 63">
               <a:extLst>
                 <a:ext uri="{FF2B5EF4-FFF2-40B4-BE49-F238E27FC236}">
-                  <a16:creationId xmlns:a16="http://schemas.microsoft.com/office/drawing/2014/main" id="{E12C8E61-627F-1844-A44A-75B3AFE49210}"/>
+                  <a16:creationId xmlns:a16="http://schemas.microsoft.com/office/drawing/2014/main" id="{A34B693C-43FA-EE4F-B23E-3FCB9D94475A}"/>
                 </a:ext>
               </a:extLst>
             </p:cNvPr>
@@ -4967,10 +4902,10 @@
             <p:nvPr/>
           </p:nvPicPr>
           <p:blipFill>
-            <a:blip r:embed="rId8">
+            <a:blip r:embed="rId4">
               <a:extLst>
                 <a:ext uri="{96DAC541-7B7A-43D3-8B79-37D633B846F1}">
-                  <asvg:svgBlip xmlns:asvg="http://schemas.microsoft.com/office/drawing/2016/SVG/main" r:embed="rId9"/>
+                  <asvg:svgBlip xmlns:asvg="http://schemas.microsoft.com/office/drawing/2016/SVG/main" r:embed="rId5"/>
                 </a:ext>
               </a:extLst>
             </a:blip>
@@ -4980,8 +4915,8 @@
           </p:blipFill>
           <p:spPr>
             <a:xfrm>
-              <a:off x="2751478" y="2867086"/>
-              <a:ext cx="88840" cy="88840"/>
+              <a:off x="8778696" y="2762612"/>
+              <a:ext cx="457200" cy="457200"/>
             </a:xfrm>
             <a:prstGeom prst="rect">
               <a:avLst/>
@@ -4989,78 +4924,6 @@
           </p:spPr>
         </p:pic>
       </p:grpSp>
-      <p:pic>
-        <p:nvPicPr>
-          <p:cNvPr id="72" name="Graphic 71">
-            <a:extLst>
-              <a:ext uri="{FF2B5EF4-FFF2-40B4-BE49-F238E27FC236}">
-                <a16:creationId xmlns:a16="http://schemas.microsoft.com/office/drawing/2014/main" id="{57B6AEC4-9809-8049-8E4F-737F242B722C}"/>
-              </a:ext>
-            </a:extLst>
-          </p:cNvPr>
-          <p:cNvPicPr>
-            <a:picLocks noChangeAspect="1"/>
-          </p:cNvPicPr>
-          <p:nvPr/>
-        </p:nvPicPr>
-        <p:blipFill>
-          <a:blip r:embed="rId8">
-            <a:extLst>
-              <a:ext uri="{96DAC541-7B7A-43D3-8B79-37D633B846F1}">
-                <asvg:svgBlip xmlns:asvg="http://schemas.microsoft.com/office/drawing/2016/SVG/main" r:embed="rId9"/>
-              </a:ext>
-            </a:extLst>
-          </a:blip>
-          <a:stretch>
-            <a:fillRect/>
-          </a:stretch>
-        </p:blipFill>
-        <p:spPr>
-          <a:xfrm>
-            <a:off x="9117863" y="2851312"/>
-            <a:ext cx="88840" cy="88840"/>
-          </a:xfrm>
-          <a:prstGeom prst="rect">
-            <a:avLst/>
-          </a:prstGeom>
-        </p:spPr>
-      </p:pic>
-      <p:pic>
-        <p:nvPicPr>
-          <p:cNvPr id="73" name="Graphic 72">
-            <a:extLst>
-              <a:ext uri="{FF2B5EF4-FFF2-40B4-BE49-F238E27FC236}">
-                <a16:creationId xmlns:a16="http://schemas.microsoft.com/office/drawing/2014/main" id="{24F2A582-C124-E046-BEF0-F48BAEC5CDFB}"/>
-              </a:ext>
-            </a:extLst>
-          </p:cNvPr>
-          <p:cNvPicPr>
-            <a:picLocks noChangeAspect="1"/>
-          </p:cNvPicPr>
-          <p:nvPr/>
-        </p:nvPicPr>
-        <p:blipFill>
-          <a:blip r:embed="rId8">
-            <a:extLst>
-              <a:ext uri="{96DAC541-7B7A-43D3-8B79-37D633B846F1}">
-                <asvg:svgBlip xmlns:asvg="http://schemas.microsoft.com/office/drawing/2016/SVG/main" r:embed="rId9"/>
-              </a:ext>
-            </a:extLst>
-          </a:blip>
-          <a:stretch>
-            <a:fillRect/>
-          </a:stretch>
-        </p:blipFill>
-        <p:spPr>
-          <a:xfrm>
-            <a:off x="9657613" y="2851312"/>
-            <a:ext cx="88840" cy="88840"/>
-          </a:xfrm>
-          <a:prstGeom prst="rect">
-            <a:avLst/>
-          </a:prstGeom>
-        </p:spPr>
-      </p:pic>
     </p:spTree>
     <p:extLst>
       <p:ext uri="{BB962C8B-B14F-4D97-AF65-F5344CB8AC3E}">
